--- a/Documentos/Presentaciones/Temario.pptx
+++ b/Documentos/Presentaciones/Temario.pptx
@@ -271,7 +271,7 @@
           <a:p>
             <a:fld id="{D07697AA-50AD-46BD-8A7A-EAA3C7C96305}" type="datetimeFigureOut">
               <a:rPr lang="es-MX" smtClean="0"/>
-              <a:t>17/05/2020</a:t>
+              <a:t>07/06/2020</a:t>
             </a:fld>
             <a:endParaRPr lang="es-MX"/>
           </a:p>
@@ -471,7 +471,7 @@
           <a:p>
             <a:fld id="{D07697AA-50AD-46BD-8A7A-EAA3C7C96305}" type="datetimeFigureOut">
               <a:rPr lang="es-MX" smtClean="0"/>
-              <a:t>17/05/2020</a:t>
+              <a:t>07/06/2020</a:t>
             </a:fld>
             <a:endParaRPr lang="es-MX"/>
           </a:p>
@@ -681,7 +681,7 @@
           <a:p>
             <a:fld id="{D07697AA-50AD-46BD-8A7A-EAA3C7C96305}" type="datetimeFigureOut">
               <a:rPr lang="es-MX" smtClean="0"/>
-              <a:t>17/05/2020</a:t>
+              <a:t>07/06/2020</a:t>
             </a:fld>
             <a:endParaRPr lang="es-MX"/>
           </a:p>
@@ -881,7 +881,7 @@
           <a:p>
             <a:fld id="{D07697AA-50AD-46BD-8A7A-EAA3C7C96305}" type="datetimeFigureOut">
               <a:rPr lang="es-MX" smtClean="0"/>
-              <a:t>17/05/2020</a:t>
+              <a:t>07/06/2020</a:t>
             </a:fld>
             <a:endParaRPr lang="es-MX"/>
           </a:p>
@@ -1157,7 +1157,7 @@
           <a:p>
             <a:fld id="{D07697AA-50AD-46BD-8A7A-EAA3C7C96305}" type="datetimeFigureOut">
               <a:rPr lang="es-MX" smtClean="0"/>
-              <a:t>17/05/2020</a:t>
+              <a:t>07/06/2020</a:t>
             </a:fld>
             <a:endParaRPr lang="es-MX"/>
           </a:p>
@@ -1425,7 +1425,7 @@
           <a:p>
             <a:fld id="{D07697AA-50AD-46BD-8A7A-EAA3C7C96305}" type="datetimeFigureOut">
               <a:rPr lang="es-MX" smtClean="0"/>
-              <a:t>17/05/2020</a:t>
+              <a:t>07/06/2020</a:t>
             </a:fld>
             <a:endParaRPr lang="es-MX"/>
           </a:p>
@@ -1840,7 +1840,7 @@
           <a:p>
             <a:fld id="{D07697AA-50AD-46BD-8A7A-EAA3C7C96305}" type="datetimeFigureOut">
               <a:rPr lang="es-MX" smtClean="0"/>
-              <a:t>17/05/2020</a:t>
+              <a:t>07/06/2020</a:t>
             </a:fld>
             <a:endParaRPr lang="es-MX"/>
           </a:p>
@@ -1982,7 +1982,7 @@
           <a:p>
             <a:fld id="{D07697AA-50AD-46BD-8A7A-EAA3C7C96305}" type="datetimeFigureOut">
               <a:rPr lang="es-MX" smtClean="0"/>
-              <a:t>17/05/2020</a:t>
+              <a:t>07/06/2020</a:t>
             </a:fld>
             <a:endParaRPr lang="es-MX"/>
           </a:p>
@@ -2095,7 +2095,7 @@
           <a:p>
             <a:fld id="{D07697AA-50AD-46BD-8A7A-EAA3C7C96305}" type="datetimeFigureOut">
               <a:rPr lang="es-MX" smtClean="0"/>
-              <a:t>17/05/2020</a:t>
+              <a:t>07/06/2020</a:t>
             </a:fld>
             <a:endParaRPr lang="es-MX"/>
           </a:p>
@@ -2408,7 +2408,7 @@
           <a:p>
             <a:fld id="{D07697AA-50AD-46BD-8A7A-EAA3C7C96305}" type="datetimeFigureOut">
               <a:rPr lang="es-MX" smtClean="0"/>
-              <a:t>17/05/2020</a:t>
+              <a:t>07/06/2020</a:t>
             </a:fld>
             <a:endParaRPr lang="es-MX"/>
           </a:p>
@@ -2697,7 +2697,7 @@
           <a:p>
             <a:fld id="{D07697AA-50AD-46BD-8A7A-EAA3C7C96305}" type="datetimeFigureOut">
               <a:rPr lang="es-MX" smtClean="0"/>
-              <a:t>17/05/2020</a:t>
+              <a:t>07/06/2020</a:t>
             </a:fld>
             <a:endParaRPr lang="es-MX"/>
           </a:p>
@@ -2949,7 +2949,7 @@
           <a:p>
             <a:fld id="{D07697AA-50AD-46BD-8A7A-EAA3C7C96305}" type="datetimeFigureOut">
               <a:rPr lang="es-MX" smtClean="0"/>
-              <a:t>17/05/2020</a:t>
+              <a:t>07/06/2020</a:t>
             </a:fld>
             <a:endParaRPr lang="es-MX"/>
           </a:p>
@@ -4614,6 +4614,11 @@
             </a:pPr>
             <a:r>
               <a:rPr lang="es-MX" sz="2400" dirty="0">
+                <a:solidFill>
+                  <a:schemeClr val="bg1">
+                    <a:lumMod val="65000"/>
+                  </a:schemeClr>
+                </a:solidFill>
                 <a:latin typeface="Berlin Sans FB" panose="020E0602020502020306" pitchFamily="34" charset="0"/>
               </a:rPr>
               <a:t>Tipo de muestras</a:t>
@@ -4627,6 +4632,11 @@
             </a:pPr>
             <a:r>
               <a:rPr lang="es-MX" sz="2400" dirty="0">
+                <a:solidFill>
+                  <a:schemeClr val="bg1">
+                    <a:lumMod val="65000"/>
+                  </a:schemeClr>
+                </a:solidFill>
                 <a:latin typeface="Berlin Sans FB" panose="020E0602020502020306" pitchFamily="34" charset="0"/>
               </a:rPr>
               <a:t>Tipo de secciones de evaluación</a:t>
@@ -4640,6 +4650,11 @@
             </a:pPr>
             <a:r>
               <a:rPr lang="es-MX" sz="2400" dirty="0">
+                <a:solidFill>
+                  <a:schemeClr val="bg1">
+                    <a:lumMod val="65000"/>
+                  </a:schemeClr>
+                </a:solidFill>
                 <a:latin typeface="Berlin Sans FB" panose="020E0602020502020306" pitchFamily="34" charset="0"/>
               </a:rPr>
               <a:t>Unidades de medida</a:t>
@@ -5787,6 +5802,11 @@
             </a:pPr>
             <a:r>
               <a:rPr lang="es-MX" sz="2400" dirty="0">
+                <a:solidFill>
+                  <a:schemeClr val="bg1">
+                    <a:lumMod val="65000"/>
+                  </a:schemeClr>
+                </a:solidFill>
                 <a:latin typeface="Berlin Sans FB" panose="020E0602020502020306" pitchFamily="34" charset="0"/>
               </a:rPr>
               <a:t>Pacientes</a:t>
@@ -5800,6 +5820,11 @@
             </a:pPr>
             <a:r>
               <a:rPr lang="es-MX" sz="2400" dirty="0">
+                <a:solidFill>
+                  <a:schemeClr val="bg1">
+                    <a:lumMod val="65000"/>
+                  </a:schemeClr>
+                </a:solidFill>
                 <a:latin typeface="Berlin Sans FB" panose="020E0602020502020306" pitchFamily="34" charset="0"/>
               </a:rPr>
               <a:t>Consulta médica</a:t>
@@ -5813,6 +5838,11 @@
             </a:pPr>
             <a:r>
               <a:rPr lang="es-MX" sz="2400" dirty="0">
+                <a:solidFill>
+                  <a:schemeClr val="bg1">
+                    <a:lumMod val="65000"/>
+                  </a:schemeClr>
+                </a:solidFill>
                 <a:latin typeface="Berlin Sans FB" panose="020E0602020502020306" pitchFamily="34" charset="0"/>
               </a:rPr>
               <a:t>Honorarios médicos</a:t>
@@ -5826,6 +5856,11 @@
             </a:pPr>
             <a:r>
               <a:rPr lang="es-MX" sz="2400" dirty="0">
+                <a:solidFill>
+                  <a:schemeClr val="bg1">
+                    <a:lumMod val="65000"/>
+                  </a:schemeClr>
+                </a:solidFill>
                 <a:latin typeface="Berlin Sans FB" panose="020E0602020502020306" pitchFamily="34" charset="0"/>
               </a:rPr>
               <a:t>Dar de alta</a:t>
@@ -5917,6 +5952,11 @@
             </a:pPr>
             <a:r>
               <a:rPr lang="es-MX" sz="2400" dirty="0">
+                <a:solidFill>
+                  <a:schemeClr val="bg1">
+                    <a:lumMod val="65000"/>
+                  </a:schemeClr>
+                </a:solidFill>
                 <a:latin typeface="Berlin Sans FB" panose="020E0602020502020306" pitchFamily="34" charset="0"/>
               </a:rPr>
               <a:t>Solicitud de rayos X</a:t>
@@ -5930,6 +5970,11 @@
             </a:pPr>
             <a:r>
               <a:rPr lang="es-MX" sz="2400" dirty="0">
+                <a:solidFill>
+                  <a:schemeClr val="bg1">
+                    <a:lumMod val="65000"/>
+                  </a:schemeClr>
+                </a:solidFill>
                 <a:latin typeface="Berlin Sans FB" panose="020E0602020502020306" pitchFamily="34" charset="0"/>
               </a:rPr>
               <a:t>Solicitud de TAC</a:t>
@@ -5982,6 +6027,11 @@
             </a:pPr>
             <a:r>
               <a:rPr lang="es-MX" sz="2400" dirty="0">
+                <a:solidFill>
+                  <a:schemeClr val="bg1">
+                    <a:lumMod val="65000"/>
+                  </a:schemeClr>
+                </a:solidFill>
                 <a:latin typeface="Berlin Sans FB" panose="020E0602020502020306" pitchFamily="34" charset="0"/>
               </a:rPr>
               <a:t>Cambio de servicio</a:t>
@@ -6008,6 +6058,11 @@
             </a:pPr>
             <a:r>
               <a:rPr lang="es-MX" sz="2400" dirty="0">
+                <a:solidFill>
+                  <a:schemeClr val="bg1">
+                    <a:lumMod val="65000"/>
+                  </a:schemeClr>
+                </a:solidFill>
                 <a:latin typeface="Berlin Sans FB" panose="020E0602020502020306" pitchFamily="34" charset="0"/>
               </a:rPr>
               <a:t>Servicios hospitalarios</a:t>
@@ -6300,6 +6355,11 @@
             </a:pPr>
             <a:r>
               <a:rPr lang="es-MX" sz="2400" dirty="0">
+                <a:solidFill>
+                  <a:schemeClr val="bg1">
+                    <a:lumMod val="65000"/>
+                  </a:schemeClr>
+                </a:solidFill>
                 <a:latin typeface="Berlin Sans FB" panose="020E0602020502020306" pitchFamily="34" charset="0"/>
               </a:rPr>
               <a:t>Categoría de servicios hospitalarios</a:t>
@@ -6312,6 +6372,11 @@
               </a:buBlip>
             </a:pPr>
             <a:endParaRPr lang="es-MX" sz="2400" dirty="0">
+              <a:solidFill>
+                <a:schemeClr val="bg1">
+                  <a:lumMod val="65000"/>
+                </a:schemeClr>
+              </a:solidFill>
               <a:latin typeface="Berlin Sans FB" panose="020E0602020502020306" pitchFamily="34" charset="0"/>
             </a:endParaRPr>
           </a:p>
@@ -6323,6 +6388,11 @@
             </a:pPr>
             <a:r>
               <a:rPr lang="es-MX" sz="2400" dirty="0">
+                <a:solidFill>
+                  <a:schemeClr val="bg1">
+                    <a:lumMod val="65000"/>
+                  </a:schemeClr>
+                </a:solidFill>
                 <a:latin typeface="Berlin Sans FB" panose="020E0602020502020306" pitchFamily="34" charset="0"/>
               </a:rPr>
               <a:t>Habitaciones</a:t>
@@ -6537,6 +6607,11 @@
             </a:pPr>
             <a:r>
               <a:rPr lang="es-MX" sz="2400" dirty="0">
+                <a:solidFill>
+                  <a:schemeClr val="bg1">
+                    <a:lumMod val="65000"/>
+                  </a:schemeClr>
+                </a:solidFill>
                 <a:latin typeface="Berlin Sans FB" panose="020E0602020502020306" pitchFamily="34" charset="0"/>
               </a:rPr>
               <a:t>Solicitud de rayos X</a:t>
@@ -6550,6 +6625,11 @@
             </a:pPr>
             <a:r>
               <a:rPr lang="es-MX" sz="2400" dirty="0">
+                <a:solidFill>
+                  <a:schemeClr val="bg1">
+                    <a:lumMod val="65000"/>
+                  </a:schemeClr>
+                </a:solidFill>
                 <a:latin typeface="Berlin Sans FB" panose="020E0602020502020306" pitchFamily="34" charset="0"/>
               </a:rPr>
               <a:t>Solicitud de TAC</a:t>
@@ -6563,6 +6643,11 @@
             </a:pPr>
             <a:r>
               <a:rPr lang="es-MX" sz="2400" dirty="0">
+                <a:solidFill>
+                  <a:schemeClr val="bg1">
+                    <a:lumMod val="65000"/>
+                  </a:schemeClr>
+                </a:solidFill>
                 <a:latin typeface="Berlin Sans FB" panose="020E0602020502020306" pitchFamily="34" charset="0"/>
               </a:rPr>
               <a:t>Edición de precio de exámenes clínicos</a:t>
@@ -6589,6 +6674,11 @@
             </a:pPr>
             <a:r>
               <a:rPr lang="es-MX" sz="2400" dirty="0">
+                <a:solidFill>
+                  <a:schemeClr val="bg1">
+                    <a:lumMod val="65000"/>
+                  </a:schemeClr>
+                </a:solidFill>
                 <a:latin typeface="Berlin Sans FB" panose="020E0602020502020306" pitchFamily="34" charset="0"/>
               </a:rPr>
               <a:t>Ultrasonografía</a:t>
@@ -6602,6 +6692,11 @@
             </a:pPr>
             <a:r>
               <a:rPr lang="es-MX" sz="2400" dirty="0">
+                <a:solidFill>
+                  <a:schemeClr val="bg1">
+                    <a:lumMod val="65000"/>
+                  </a:schemeClr>
+                </a:solidFill>
                 <a:latin typeface="Berlin Sans FB" panose="020E0602020502020306" pitchFamily="34" charset="0"/>
               </a:rPr>
               <a:t>TAC</a:t>
@@ -6615,6 +6710,11 @@
             </a:pPr>
             <a:r>
               <a:rPr lang="es-MX" sz="2400" dirty="0">
+                <a:solidFill>
+                  <a:schemeClr val="bg1">
+                    <a:lumMod val="65000"/>
+                  </a:schemeClr>
+                </a:solidFill>
                 <a:latin typeface="Berlin Sans FB" panose="020E0602020502020306" pitchFamily="34" charset="0"/>
               </a:rPr>
               <a:t>Rayos X</a:t>
@@ -6907,6 +7007,11 @@
             </a:pPr>
             <a:r>
               <a:rPr lang="es-MX" sz="2400" dirty="0">
+                <a:solidFill>
+                  <a:schemeClr val="bg1">
+                    <a:lumMod val="65000"/>
+                  </a:schemeClr>
+                </a:solidFill>
                 <a:latin typeface="Berlin Sans FB" panose="020E0602020502020306" pitchFamily="34" charset="0"/>
               </a:rPr>
               <a:t>Inventario</a:t>
@@ -6920,6 +7025,11 @@
             </a:pPr>
             <a:r>
               <a:rPr lang="es-MX" sz="2400" dirty="0">
+                <a:solidFill>
+                  <a:schemeClr val="bg1">
+                    <a:lumMod val="65000"/>
+                  </a:schemeClr>
+                </a:solidFill>
                 <a:latin typeface="Berlin Sans FB" panose="020E0602020502020306" pitchFamily="34" charset="0"/>
               </a:rPr>
               <a:t>Salida de inventario</a:t>
@@ -6933,6 +7043,11 @@
             </a:pPr>
             <a:r>
               <a:rPr lang="es-MX" sz="2400" dirty="0">
+                <a:solidFill>
+                  <a:schemeClr val="bg1">
+                    <a:lumMod val="65000"/>
+                  </a:schemeClr>
+                </a:solidFill>
                 <a:latin typeface="Berlin Sans FB" panose="020E0602020502020306" pitchFamily="34" charset="0"/>
               </a:rPr>
               <a:t>Pedidos</a:t>
@@ -6946,6 +7061,11 @@
             </a:pPr>
             <a:r>
               <a:rPr lang="es-MX" sz="2400" dirty="0">
+                <a:solidFill>
+                  <a:schemeClr val="bg1">
+                    <a:lumMod val="65000"/>
+                  </a:schemeClr>
+                </a:solidFill>
                 <a:latin typeface="Berlin Sans FB" panose="020E0602020502020306" pitchFamily="34" charset="0"/>
               </a:rPr>
               <a:t>Compras</a:t>
@@ -6959,6 +7079,11 @@
             </a:pPr>
             <a:r>
               <a:rPr lang="es-MX" sz="2400" dirty="0">
+                <a:solidFill>
+                  <a:schemeClr val="bg1">
+                    <a:lumMod val="65000"/>
+                  </a:schemeClr>
+                </a:solidFill>
                 <a:latin typeface="Berlin Sans FB" panose="020E0602020502020306" pitchFamily="34" charset="0"/>
               </a:rPr>
               <a:t>Devolución de compras</a:t>
@@ -6972,6 +7097,11 @@
             </a:pPr>
             <a:r>
               <a:rPr lang="es-MX" sz="2400" dirty="0">
+                <a:solidFill>
+                  <a:schemeClr val="bg1">
+                    <a:lumMod val="65000"/>
+                  </a:schemeClr>
+                </a:solidFill>
                 <a:latin typeface="Berlin Sans FB" panose="020E0602020502020306" pitchFamily="34" charset="0"/>
               </a:rPr>
               <a:t>Ventas</a:t>
@@ -6985,6 +7115,11 @@
             </a:pPr>
             <a:r>
               <a:rPr lang="es-MX" sz="2400" dirty="0">
+                <a:solidFill>
+                  <a:schemeClr val="bg1">
+                    <a:lumMod val="65000"/>
+                  </a:schemeClr>
+                </a:solidFill>
                 <a:latin typeface="Berlin Sans FB" panose="020E0602020502020306" pitchFamily="34" charset="0"/>
               </a:rPr>
               <a:t>Facturación</a:t>
@@ -6998,6 +7133,11 @@
             </a:pPr>
             <a:r>
               <a:rPr lang="es-MX" sz="2400" dirty="0">
+                <a:solidFill>
+                  <a:schemeClr val="bg1">
+                    <a:lumMod val="65000"/>
+                  </a:schemeClr>
+                </a:solidFill>
                 <a:latin typeface="Berlin Sans FB" panose="020E0602020502020306" pitchFamily="34" charset="0"/>
               </a:rPr>
               <a:t>Devolución de ventas</a:t>
@@ -7011,6 +7151,11 @@
             </a:pPr>
             <a:r>
               <a:rPr lang="es-MX" sz="2400" dirty="0">
+                <a:solidFill>
+                  <a:schemeClr val="bg1">
+                    <a:lumMod val="65000"/>
+                  </a:schemeClr>
+                </a:solidFill>
                 <a:latin typeface="Berlin Sans FB" panose="020E0602020502020306" pitchFamily="34" charset="0"/>
               </a:rPr>
               <a:t>Requisición de producto a farmacia</a:t>
@@ -7024,6 +7169,11 @@
             </a:pPr>
             <a:r>
               <a:rPr lang="es-MX" sz="2400" dirty="0">
+                <a:solidFill>
+                  <a:schemeClr val="bg1">
+                    <a:lumMod val="65000"/>
+                  </a:schemeClr>
+                </a:solidFill>
                 <a:latin typeface="Berlin Sans FB" panose="020E0602020502020306" pitchFamily="34" charset="0"/>
               </a:rPr>
               <a:t>Movimientos de caja</a:t>
@@ -7037,6 +7187,11 @@
             </a:pPr>
             <a:r>
               <a:rPr lang="es-MX" sz="2400" dirty="0">
+                <a:solidFill>
+                  <a:schemeClr val="bg1">
+                    <a:lumMod val="65000"/>
+                  </a:schemeClr>
+                </a:solidFill>
                 <a:latin typeface="Berlin Sans FB" panose="020E0602020502020306" pitchFamily="34" charset="0"/>
               </a:rPr>
               <a:t>Apertura y cierre de caja</a:t>
@@ -7050,6 +7205,11 @@
             </a:pPr>
             <a:r>
               <a:rPr lang="es-MX" sz="2400" dirty="0">
+                <a:solidFill>
+                  <a:schemeClr val="bg1">
+                    <a:lumMod val="65000"/>
+                  </a:schemeClr>
+                </a:solidFill>
                 <a:latin typeface="Berlin Sans FB" panose="020E0602020502020306" pitchFamily="34" charset="0"/>
               </a:rPr>
               <a:t>Arqueo de caja</a:t>
@@ -7063,6 +7223,11 @@
             </a:pPr>
             <a:r>
               <a:rPr lang="es-MX" sz="2400" dirty="0">
+                <a:solidFill>
+                  <a:schemeClr val="bg1">
+                    <a:lumMod val="65000"/>
+                  </a:schemeClr>
+                </a:solidFill>
                 <a:latin typeface="Berlin Sans FB" panose="020E0602020502020306" pitchFamily="34" charset="0"/>
               </a:rPr>
               <a:t>Productos</a:t>
@@ -7076,6 +7241,11 @@
             </a:pPr>
             <a:r>
               <a:rPr lang="es-MX" sz="2400" dirty="0">
+                <a:solidFill>
+                  <a:schemeClr val="bg1">
+                    <a:lumMod val="65000"/>
+                  </a:schemeClr>
+                </a:solidFill>
                 <a:latin typeface="Berlin Sans FB" panose="020E0602020502020306" pitchFamily="34" charset="0"/>
               </a:rPr>
               <a:t>Categoría de productos</a:t>
@@ -7089,6 +7259,11 @@
             </a:pPr>
             <a:r>
               <a:rPr lang="es-MX" sz="2400" dirty="0">
+                <a:solidFill>
+                  <a:schemeClr val="bg1">
+                    <a:lumMod val="65000"/>
+                  </a:schemeClr>
+                </a:solidFill>
                 <a:latin typeface="Berlin Sans FB" panose="020E0602020502020306" pitchFamily="34" charset="0"/>
               </a:rPr>
               <a:t>Presentaciones</a:t>
@@ -7102,6 +7277,11 @@
             </a:pPr>
             <a:r>
               <a:rPr lang="es-MX" sz="2400" dirty="0">
+                <a:solidFill>
+                  <a:schemeClr val="bg1">
+                    <a:lumMod val="65000"/>
+                  </a:schemeClr>
+                </a:solidFill>
                 <a:latin typeface="Berlin Sans FB" panose="020E0602020502020306" pitchFamily="34" charset="0"/>
               </a:rPr>
               <a:t>Divisiones</a:t>
@@ -7115,6 +7295,11 @@
             </a:pPr>
             <a:r>
               <a:rPr lang="es-MX" sz="2400" dirty="0">
+                <a:solidFill>
+                  <a:schemeClr val="bg1">
+                    <a:lumMod val="65000"/>
+                  </a:schemeClr>
+                </a:solidFill>
                 <a:latin typeface="Berlin Sans FB" panose="020E0602020502020306" pitchFamily="34" charset="0"/>
               </a:rPr>
               <a:t>Componentes</a:t>
@@ -7128,6 +7313,11 @@
             </a:pPr>
             <a:r>
               <a:rPr lang="es-MX" sz="2400" dirty="0">
+                <a:solidFill>
+                  <a:schemeClr val="bg1">
+                    <a:lumMod val="65000"/>
+                  </a:schemeClr>
+                </a:solidFill>
                 <a:latin typeface="Berlin Sans FB" panose="020E0602020502020306" pitchFamily="34" charset="0"/>
               </a:rPr>
               <a:t>Unidades de medida</a:t>
@@ -7141,6 +7331,11 @@
             </a:pPr>
             <a:r>
               <a:rPr lang="es-MX" sz="2400" dirty="0">
+                <a:solidFill>
+                  <a:schemeClr val="bg1">
+                    <a:lumMod val="65000"/>
+                  </a:schemeClr>
+                </a:solidFill>
                 <a:latin typeface="Berlin Sans FB" panose="020E0602020502020306" pitchFamily="34" charset="0"/>
               </a:rPr>
               <a:t>Estantes</a:t>
@@ -7154,6 +7349,11 @@
             </a:pPr>
             <a:r>
               <a:rPr lang="es-MX" sz="2400" dirty="0">
+                <a:solidFill>
+                  <a:schemeClr val="bg1">
+                    <a:lumMod val="65000"/>
+                  </a:schemeClr>
+                </a:solidFill>
                 <a:latin typeface="Berlin Sans FB" panose="020E0602020502020306" pitchFamily="34" charset="0"/>
               </a:rPr>
               <a:t>Cajas</a:t>
@@ -7469,6 +7669,11 @@
             </a:pPr>
             <a:r>
               <a:rPr lang="es-MX" sz="2400" dirty="0">
+                <a:solidFill>
+                  <a:schemeClr val="bg1">
+                    <a:lumMod val="65000"/>
+                  </a:schemeClr>
+                </a:solidFill>
                 <a:latin typeface="Berlin Sans FB" panose="020E0602020502020306" pitchFamily="34" charset="0"/>
               </a:rPr>
               <a:t>Solicitud de medicamentos</a:t>
@@ -7482,6 +7687,11 @@
             </a:pPr>
             <a:r>
               <a:rPr lang="es-MX" sz="2400" dirty="0">
+                <a:solidFill>
+                  <a:schemeClr val="bg1">
+                    <a:lumMod val="65000"/>
+                  </a:schemeClr>
+                </a:solidFill>
                 <a:latin typeface="Berlin Sans FB" panose="020E0602020502020306" pitchFamily="34" charset="0"/>
               </a:rPr>
               <a:t>Solicitud de servicios hospitalarios</a:t>
@@ -7495,6 +7705,11 @@
             </a:pPr>
             <a:r>
               <a:rPr lang="es-MX" sz="2400" dirty="0">
+                <a:solidFill>
+                  <a:schemeClr val="bg1">
+                    <a:lumMod val="65000"/>
+                  </a:schemeClr>
+                </a:solidFill>
                 <a:latin typeface="Berlin Sans FB" panose="020E0602020502020306" pitchFamily="34" charset="0"/>
               </a:rPr>
               <a:t>Solicitud de examen clínico</a:t>
@@ -7508,6 +7723,11 @@
             </a:pPr>
             <a:r>
               <a:rPr lang="es-MX" sz="2400" dirty="0">
+                <a:solidFill>
+                  <a:schemeClr val="bg1">
+                    <a:lumMod val="65000"/>
+                  </a:schemeClr>
+                </a:solidFill>
                 <a:latin typeface="Berlin Sans FB" panose="020E0602020502020306" pitchFamily="34" charset="0"/>
               </a:rPr>
               <a:t>Solicitud de ultrasonografía</a:t>
@@ -7521,6 +7741,11 @@
             </a:pPr>
             <a:r>
               <a:rPr lang="es-MX" sz="2400" dirty="0">
+                <a:solidFill>
+                  <a:schemeClr val="bg1">
+                    <a:lumMod val="65000"/>
+                  </a:schemeClr>
+                </a:solidFill>
                 <a:latin typeface="Berlin Sans FB" panose="020E0602020502020306" pitchFamily="34" charset="0"/>
               </a:rPr>
               <a:t>Solicitud de rayos X</a:t>
@@ -7534,6 +7759,11 @@
             </a:pPr>
             <a:r>
               <a:rPr lang="es-MX" sz="2400" dirty="0">
+                <a:solidFill>
+                  <a:schemeClr val="bg1">
+                    <a:lumMod val="65000"/>
+                  </a:schemeClr>
+                </a:solidFill>
                 <a:latin typeface="Berlin Sans FB" panose="020E0602020502020306" pitchFamily="34" charset="0"/>
               </a:rPr>
               <a:t>Solicitud de TAC</a:t>
@@ -7868,6 +8098,11 @@
             </a:pPr>
             <a:r>
               <a:rPr lang="es-MX" sz="2400" dirty="0">
+                <a:solidFill>
+                  <a:schemeClr val="bg1">
+                    <a:lumMod val="65000"/>
+                  </a:schemeClr>
+                </a:solidFill>
                 <a:latin typeface="Berlin Sans FB" panose="020E0602020502020306" pitchFamily="34" charset="0"/>
               </a:rPr>
               <a:t>Solicitud de medicamentos</a:t>
@@ -7881,6 +8116,11 @@
             </a:pPr>
             <a:r>
               <a:rPr lang="es-MX" sz="2400" dirty="0">
+                <a:solidFill>
+                  <a:schemeClr val="bg1">
+                    <a:lumMod val="65000"/>
+                  </a:schemeClr>
+                </a:solidFill>
                 <a:latin typeface="Berlin Sans FB" panose="020E0602020502020306" pitchFamily="34" charset="0"/>
               </a:rPr>
               <a:t>Solicitud de servicios hospitalarios</a:t>
@@ -7894,6 +8134,11 @@
             </a:pPr>
             <a:r>
               <a:rPr lang="es-MX" sz="2400" dirty="0">
+                <a:solidFill>
+                  <a:schemeClr val="bg1">
+                    <a:lumMod val="65000"/>
+                  </a:schemeClr>
+                </a:solidFill>
                 <a:latin typeface="Berlin Sans FB" panose="020E0602020502020306" pitchFamily="34" charset="0"/>
               </a:rPr>
               <a:t>Solicitud de examen clínico</a:t>
@@ -7907,6 +8152,11 @@
             </a:pPr>
             <a:r>
               <a:rPr lang="es-MX" sz="2400" dirty="0">
+                <a:solidFill>
+                  <a:schemeClr val="bg1">
+                    <a:lumMod val="65000"/>
+                  </a:schemeClr>
+                </a:solidFill>
                 <a:latin typeface="Berlin Sans FB" panose="020E0602020502020306" pitchFamily="34" charset="0"/>
               </a:rPr>
               <a:t>Solicitud de ultrasonografía</a:t>
@@ -7920,6 +8170,11 @@
             </a:pPr>
             <a:r>
               <a:rPr lang="es-MX" sz="2400" dirty="0">
+                <a:solidFill>
+                  <a:schemeClr val="bg1">
+                    <a:lumMod val="65000"/>
+                  </a:schemeClr>
+                </a:solidFill>
                 <a:latin typeface="Berlin Sans FB" panose="020E0602020502020306" pitchFamily="34" charset="0"/>
               </a:rPr>
               <a:t>Solicitud de rayos X</a:t>
@@ -7933,6 +8188,11 @@
             </a:pPr>
             <a:r>
               <a:rPr lang="es-MX" sz="2400" dirty="0">
+                <a:solidFill>
+                  <a:schemeClr val="bg1">
+                    <a:lumMod val="65000"/>
+                  </a:schemeClr>
+                </a:solidFill>
                 <a:latin typeface="Berlin Sans FB" panose="020E0602020502020306" pitchFamily="34" charset="0"/>
               </a:rPr>
               <a:t>Solicitud de TAC</a:t>
@@ -7946,19 +8206,11 @@
             </a:pPr>
             <a:r>
               <a:rPr lang="es-MX" sz="2400" dirty="0">
-                <a:latin typeface="Berlin Sans FB" panose="020E0602020502020306" pitchFamily="34" charset="0"/>
-              </a:rPr>
-              <a:t>Seguimiento de estado de salud del paciente</a:t>
-            </a:r>
-          </a:p>
-          <a:p>
-            <a:pPr marL="800100" lvl="1" indent="-342900">
-              <a:buBlip>
-                <a:blip r:embed="rId3"/>
-              </a:buBlip>
-            </a:pPr>
-            <a:r>
-              <a:rPr lang="es-MX" sz="2400" dirty="0">
+                <a:solidFill>
+                  <a:schemeClr val="bg1">
+                    <a:lumMod val="65000"/>
+                  </a:schemeClr>
+                </a:solidFill>
                 <a:latin typeface="Berlin Sans FB" panose="020E0602020502020306" pitchFamily="34" charset="0"/>
               </a:rPr>
               <a:t>Registro de signos vitales</a:t>
@@ -8280,6 +8532,11 @@
             </a:pPr>
             <a:r>
               <a:rPr lang="es-MX" sz="2400" dirty="0">
+                <a:solidFill>
+                  <a:schemeClr val="bg1">
+                    <a:lumMod val="65000"/>
+                  </a:schemeClr>
+                </a:solidFill>
                 <a:latin typeface="Berlin Sans FB" panose="020E0602020502020306" pitchFamily="34" charset="0"/>
               </a:rPr>
               <a:t>Clientes</a:t>
@@ -8293,6 +8550,11 @@
             </a:pPr>
             <a:r>
               <a:rPr lang="es-MX" sz="2400" dirty="0">
+                <a:solidFill>
+                  <a:schemeClr val="bg1">
+                    <a:lumMod val="65000"/>
+                  </a:schemeClr>
+                </a:solidFill>
                 <a:latin typeface="Berlin Sans FB" panose="020E0602020502020306" pitchFamily="34" charset="0"/>
               </a:rPr>
               <a:t>Proveedores</a:t>
@@ -8436,6 +8698,11 @@
             </a:pPr>
             <a:r>
               <a:rPr lang="es-MX" sz="2400" dirty="0">
+                <a:solidFill>
+                  <a:schemeClr val="bg1">
+                    <a:lumMod val="65000"/>
+                  </a:schemeClr>
+                </a:solidFill>
                 <a:latin typeface="Berlin Sans FB" panose="020E0602020502020306" pitchFamily="34" charset="0"/>
               </a:rPr>
               <a:t>Apertura y cierre de caja</a:t>
@@ -8475,6 +8742,11 @@
             </a:pPr>
             <a:r>
               <a:rPr lang="es-MX" sz="2400" dirty="0">
+                <a:solidFill>
+                  <a:schemeClr val="bg1">
+                    <a:lumMod val="65000"/>
+                  </a:schemeClr>
+                </a:solidFill>
                 <a:latin typeface="Berlin Sans FB" panose="020E0602020502020306" pitchFamily="34" charset="0"/>
               </a:rPr>
               <a:t>Categoría de productos</a:t>
@@ -8488,6 +8760,11 @@
             </a:pPr>
             <a:r>
               <a:rPr lang="es-MX" sz="2400" dirty="0">
+                <a:solidFill>
+                  <a:schemeClr val="bg1">
+                    <a:lumMod val="65000"/>
+                  </a:schemeClr>
+                </a:solidFill>
                 <a:latin typeface="Berlin Sans FB" panose="020E0602020502020306" pitchFamily="34" charset="0"/>
               </a:rPr>
               <a:t>Presentaciones</a:t>
@@ -8501,6 +8778,11 @@
             </a:pPr>
             <a:r>
               <a:rPr lang="es-MX" sz="2400" dirty="0">
+                <a:solidFill>
+                  <a:schemeClr val="bg1">
+                    <a:lumMod val="65000"/>
+                  </a:schemeClr>
+                </a:solidFill>
                 <a:latin typeface="Berlin Sans FB" panose="020E0602020502020306" pitchFamily="34" charset="0"/>
               </a:rPr>
               <a:t>Divisiones</a:t>
@@ -8514,6 +8796,11 @@
             </a:pPr>
             <a:r>
               <a:rPr lang="es-MX" sz="2400" dirty="0">
+                <a:solidFill>
+                  <a:schemeClr val="bg1">
+                    <a:lumMod val="65000"/>
+                  </a:schemeClr>
+                </a:solidFill>
                 <a:latin typeface="Berlin Sans FB" panose="020E0602020502020306" pitchFamily="34" charset="0"/>
               </a:rPr>
               <a:t>Componentes</a:t>
@@ -8527,6 +8814,11 @@
             </a:pPr>
             <a:r>
               <a:rPr lang="es-MX" sz="2400" dirty="0">
+                <a:solidFill>
+                  <a:schemeClr val="bg1">
+                    <a:lumMod val="65000"/>
+                  </a:schemeClr>
+                </a:solidFill>
                 <a:latin typeface="Berlin Sans FB" panose="020E0602020502020306" pitchFamily="34" charset="0"/>
               </a:rPr>
               <a:t>Unidades de medida</a:t>
@@ -8540,6 +8832,11 @@
             </a:pPr>
             <a:r>
               <a:rPr lang="es-MX" sz="2400" dirty="0">
+                <a:solidFill>
+                  <a:schemeClr val="bg1">
+                    <a:lumMod val="65000"/>
+                  </a:schemeClr>
+                </a:solidFill>
                 <a:latin typeface="Berlin Sans FB" panose="020E0602020502020306" pitchFamily="34" charset="0"/>
               </a:rPr>
               <a:t>Estantes</a:t>
@@ -8553,6 +8850,11 @@
             </a:pPr>
             <a:r>
               <a:rPr lang="es-MX" sz="2400" dirty="0">
+                <a:solidFill>
+                  <a:schemeClr val="bg1">
+                    <a:lumMod val="65000"/>
+                  </a:schemeClr>
+                </a:solidFill>
                 <a:latin typeface="Berlin Sans FB" panose="020E0602020502020306" pitchFamily="34" charset="0"/>
               </a:rPr>
               <a:t>Cajas</a:t>

--- a/Documentos/Presentaciones/Temario.pptx
+++ b/Documentos/Presentaciones/Temario.pptx
@@ -271,7 +271,7 @@
           <a:p>
             <a:fld id="{D07697AA-50AD-46BD-8A7A-EAA3C7C96305}" type="datetimeFigureOut">
               <a:rPr lang="es-MX" smtClean="0"/>
-              <a:t>07/06/2020</a:t>
+              <a:t>09/06/2020</a:t>
             </a:fld>
             <a:endParaRPr lang="es-MX"/>
           </a:p>
@@ -471,7 +471,7 @@
           <a:p>
             <a:fld id="{D07697AA-50AD-46BD-8A7A-EAA3C7C96305}" type="datetimeFigureOut">
               <a:rPr lang="es-MX" smtClean="0"/>
-              <a:t>07/06/2020</a:t>
+              <a:t>09/06/2020</a:t>
             </a:fld>
             <a:endParaRPr lang="es-MX"/>
           </a:p>
@@ -681,7 +681,7 @@
           <a:p>
             <a:fld id="{D07697AA-50AD-46BD-8A7A-EAA3C7C96305}" type="datetimeFigureOut">
               <a:rPr lang="es-MX" smtClean="0"/>
-              <a:t>07/06/2020</a:t>
+              <a:t>09/06/2020</a:t>
             </a:fld>
             <a:endParaRPr lang="es-MX"/>
           </a:p>
@@ -881,7 +881,7 @@
           <a:p>
             <a:fld id="{D07697AA-50AD-46BD-8A7A-EAA3C7C96305}" type="datetimeFigureOut">
               <a:rPr lang="es-MX" smtClean="0"/>
-              <a:t>07/06/2020</a:t>
+              <a:t>09/06/2020</a:t>
             </a:fld>
             <a:endParaRPr lang="es-MX"/>
           </a:p>
@@ -1157,7 +1157,7 @@
           <a:p>
             <a:fld id="{D07697AA-50AD-46BD-8A7A-EAA3C7C96305}" type="datetimeFigureOut">
               <a:rPr lang="es-MX" smtClean="0"/>
-              <a:t>07/06/2020</a:t>
+              <a:t>09/06/2020</a:t>
             </a:fld>
             <a:endParaRPr lang="es-MX"/>
           </a:p>
@@ -1425,7 +1425,7 @@
           <a:p>
             <a:fld id="{D07697AA-50AD-46BD-8A7A-EAA3C7C96305}" type="datetimeFigureOut">
               <a:rPr lang="es-MX" smtClean="0"/>
-              <a:t>07/06/2020</a:t>
+              <a:t>09/06/2020</a:t>
             </a:fld>
             <a:endParaRPr lang="es-MX"/>
           </a:p>
@@ -1840,7 +1840,7 @@
           <a:p>
             <a:fld id="{D07697AA-50AD-46BD-8A7A-EAA3C7C96305}" type="datetimeFigureOut">
               <a:rPr lang="es-MX" smtClean="0"/>
-              <a:t>07/06/2020</a:t>
+              <a:t>09/06/2020</a:t>
             </a:fld>
             <a:endParaRPr lang="es-MX"/>
           </a:p>
@@ -1982,7 +1982,7 @@
           <a:p>
             <a:fld id="{D07697AA-50AD-46BD-8A7A-EAA3C7C96305}" type="datetimeFigureOut">
               <a:rPr lang="es-MX" smtClean="0"/>
-              <a:t>07/06/2020</a:t>
+              <a:t>09/06/2020</a:t>
             </a:fld>
             <a:endParaRPr lang="es-MX"/>
           </a:p>
@@ -2095,7 +2095,7 @@
           <a:p>
             <a:fld id="{D07697AA-50AD-46BD-8A7A-EAA3C7C96305}" type="datetimeFigureOut">
               <a:rPr lang="es-MX" smtClean="0"/>
-              <a:t>07/06/2020</a:t>
+              <a:t>09/06/2020</a:t>
             </a:fld>
             <a:endParaRPr lang="es-MX"/>
           </a:p>
@@ -2408,7 +2408,7 @@
           <a:p>
             <a:fld id="{D07697AA-50AD-46BD-8A7A-EAA3C7C96305}" type="datetimeFigureOut">
               <a:rPr lang="es-MX" smtClean="0"/>
-              <a:t>07/06/2020</a:t>
+              <a:t>09/06/2020</a:t>
             </a:fld>
             <a:endParaRPr lang="es-MX"/>
           </a:p>
@@ -2697,7 +2697,7 @@
           <a:p>
             <a:fld id="{D07697AA-50AD-46BD-8A7A-EAA3C7C96305}" type="datetimeFigureOut">
               <a:rPr lang="es-MX" smtClean="0"/>
-              <a:t>07/06/2020</a:t>
+              <a:t>09/06/2020</a:t>
             </a:fld>
             <a:endParaRPr lang="es-MX"/>
           </a:p>
@@ -2949,7 +2949,7 @@
           <a:p>
             <a:fld id="{D07697AA-50AD-46BD-8A7A-EAA3C7C96305}" type="datetimeFigureOut">
               <a:rPr lang="es-MX" smtClean="0"/>
-              <a:t>07/06/2020</a:t>
+              <a:t>09/06/2020</a:t>
             </a:fld>
             <a:endParaRPr lang="es-MX"/>
           </a:p>
@@ -5239,6 +5239,11 @@
             </a:pPr>
             <a:r>
               <a:rPr lang="es-MX" sz="2400" dirty="0">
+                <a:solidFill>
+                  <a:schemeClr val="bg1">
+                    <a:lumMod val="50000"/>
+                  </a:schemeClr>
+                </a:solidFill>
                 <a:latin typeface="Berlin Sans FB" panose="020E0602020502020306" pitchFamily="34" charset="0"/>
               </a:rPr>
               <a:t>Usuarios</a:t>
@@ -5252,18 +5257,33 @@
             </a:pPr>
             <a:r>
               <a:rPr lang="es-MX" sz="2400" dirty="0">
+                <a:solidFill>
+                  <a:schemeClr val="bg1">
+                    <a:lumMod val="50000"/>
+                  </a:schemeClr>
+                </a:solidFill>
                 <a:latin typeface="Berlin Sans FB" panose="020E0602020502020306" pitchFamily="34" charset="0"/>
               </a:rPr>
               <a:t>Respaldo de la base de datos (</a:t>
             </a:r>
             <a:r>
               <a:rPr lang="es-MX" sz="2400" dirty="0" err="1">
+                <a:solidFill>
+                  <a:schemeClr val="bg1">
+                    <a:lumMod val="50000"/>
+                  </a:schemeClr>
+                </a:solidFill>
                 <a:latin typeface="Berlin Sans FB" panose="020E0602020502020306" pitchFamily="34" charset="0"/>
               </a:rPr>
               <a:t>Backup</a:t>
             </a:r>
             <a:r>
               <a:rPr lang="es-MX" sz="2400" dirty="0">
+                <a:solidFill>
+                  <a:schemeClr val="bg1">
+                    <a:lumMod val="50000"/>
+                  </a:schemeClr>
+                </a:solidFill>
                 <a:latin typeface="Berlin Sans FB" panose="020E0602020502020306" pitchFamily="34" charset="0"/>
               </a:rPr>
               <a:t>)</a:t>
@@ -5277,18 +5297,33 @@
             </a:pPr>
             <a:r>
               <a:rPr lang="es-MX" sz="2400" dirty="0">
+                <a:solidFill>
+                  <a:schemeClr val="bg1">
+                    <a:lumMod val="50000"/>
+                  </a:schemeClr>
+                </a:solidFill>
                 <a:latin typeface="Berlin Sans FB" panose="020E0602020502020306" pitchFamily="34" charset="0"/>
               </a:rPr>
               <a:t>Restauración de la base de datos (</a:t>
             </a:r>
             <a:r>
               <a:rPr lang="es-MX" sz="2400" dirty="0" err="1">
+                <a:solidFill>
+                  <a:schemeClr val="bg1">
+                    <a:lumMod val="50000"/>
+                  </a:schemeClr>
+                </a:solidFill>
                 <a:latin typeface="Berlin Sans FB" panose="020E0602020502020306" pitchFamily="34" charset="0"/>
               </a:rPr>
               <a:t>Restore</a:t>
             </a:r>
             <a:r>
               <a:rPr lang="es-MX" sz="2400" dirty="0">
+                <a:solidFill>
+                  <a:schemeClr val="bg1">
+                    <a:lumMod val="50000"/>
+                  </a:schemeClr>
+                </a:solidFill>
                 <a:latin typeface="Berlin Sans FB" panose="020E0602020502020306" pitchFamily="34" charset="0"/>
               </a:rPr>
               <a:t>)</a:t>
@@ -5302,6 +5337,11 @@
             </a:pPr>
             <a:r>
               <a:rPr lang="es-MX" sz="2400" dirty="0">
+                <a:solidFill>
+                  <a:schemeClr val="bg1">
+                    <a:lumMod val="50000"/>
+                  </a:schemeClr>
+                </a:solidFill>
                 <a:latin typeface="Berlin Sans FB" panose="020E0602020502020306" pitchFamily="34" charset="0"/>
               </a:rPr>
               <a:t>Datos de la institución</a:t>
@@ -5435,6 +5475,11 @@
             </a:pPr>
             <a:r>
               <a:rPr lang="es-MX" sz="2400" dirty="0">
+                <a:solidFill>
+                  <a:schemeClr val="bg1">
+                    <a:lumMod val="50000"/>
+                  </a:schemeClr>
+                </a:solidFill>
                 <a:latin typeface="Berlin Sans FB" panose="020E0602020502020306" pitchFamily="34" charset="0"/>
               </a:rPr>
               <a:t>Agenda</a:t>
@@ -5448,6 +5493,11 @@
             </a:pPr>
             <a:r>
               <a:rPr lang="es-MX" sz="2400" dirty="0">
+                <a:solidFill>
+                  <a:schemeClr val="bg1">
+                    <a:lumMod val="50000"/>
+                  </a:schemeClr>
+                </a:solidFill>
                 <a:latin typeface="Berlin Sans FB" panose="020E0602020502020306" pitchFamily="34" charset="0"/>
               </a:rPr>
               <a:t>Historial (Bitácora)</a:t>
@@ -5461,6 +5511,11 @@
             </a:pPr>
             <a:r>
               <a:rPr lang="es-MX" sz="2400" dirty="0">
+                <a:solidFill>
+                  <a:schemeClr val="bg1">
+                    <a:lumMod val="50000"/>
+                  </a:schemeClr>
+                </a:solidFill>
                 <a:latin typeface="Berlin Sans FB" panose="020E0602020502020306" pitchFamily="34" charset="0"/>
               </a:rPr>
               <a:t>Perfil del usuario</a:t>
@@ -5474,6 +5529,11 @@
             </a:pPr>
             <a:r>
               <a:rPr lang="es-MX" sz="2400" dirty="0">
+                <a:solidFill>
+                  <a:schemeClr val="bg1">
+                    <a:lumMod val="50000"/>
+                  </a:schemeClr>
+                </a:solidFill>
                 <a:latin typeface="Berlin Sans FB" panose="020E0602020502020306" pitchFamily="34" charset="0"/>
               </a:rPr>
               <a:t>Datos de la institución</a:t>
@@ -5790,7 +5850,7 @@
           <a:noFill/>
         </p:spPr>
         <p:txBody>
-          <a:bodyPr wrap="square" numCol="2" rtlCol="0">
+          <a:bodyPr wrap="square" numCol="2" spcCol="360000" rtlCol="0">
             <a:spAutoFit/>
           </a:bodyPr>
           <a:lstStyle/>
@@ -6077,6 +6137,476 @@
             <a:endParaRPr lang="es-MX" sz="2400" dirty="0">
               <a:latin typeface="Berlin Sans FB" panose="020E0602020502020306" pitchFamily="34" charset="0"/>
             </a:endParaRPr>
+          </a:p>
+        </p:txBody>
+      </p:sp>
+      <p:sp>
+        <p:nvSpPr>
+          <p:cNvPr id="8" name="Rectángulo: esquinas redondeadas 7">
+            <a:extLst>
+              <a:ext uri="{FF2B5EF4-FFF2-40B4-BE49-F238E27FC236}">
+                <a16:creationId xmlns:a16="http://schemas.microsoft.com/office/drawing/2014/main" id="{491D172D-0E84-4C60-B4E1-34C42F4570D4}"/>
+              </a:ext>
+            </a:extLst>
+          </p:cNvPr>
+          <p:cNvSpPr/>
+          <p:nvPr/>
+        </p:nvSpPr>
+        <p:spPr>
+          <a:xfrm>
+            <a:off x="5633484" y="5028774"/>
+            <a:ext cx="252840" cy="235984"/>
+          </a:xfrm>
+          <a:prstGeom prst="roundRect">
+            <a:avLst/>
+          </a:prstGeom>
+        </p:spPr>
+        <p:style>
+          <a:lnRef idx="0">
+            <a:schemeClr val="accent2"/>
+          </a:lnRef>
+          <a:fillRef idx="3">
+            <a:schemeClr val="accent2"/>
+          </a:fillRef>
+          <a:effectRef idx="3">
+            <a:schemeClr val="accent2"/>
+          </a:effectRef>
+          <a:fontRef idx="minor">
+            <a:schemeClr val="lt1"/>
+          </a:fontRef>
+        </p:style>
+        <p:txBody>
+          <a:bodyPr rtlCol="0" anchor="ctr"/>
+          <a:lstStyle/>
+          <a:p>
+            <a:pPr algn="ctr"/>
+            <a:r>
+              <a:rPr lang="es-MX" sz="1400" dirty="0"/>
+              <a:t>E</a:t>
+            </a:r>
+          </a:p>
+        </p:txBody>
+      </p:sp>
+      <p:sp>
+        <p:nvSpPr>
+          <p:cNvPr id="10" name="Rectángulo: esquinas redondeadas 9">
+            <a:extLst>
+              <a:ext uri="{FF2B5EF4-FFF2-40B4-BE49-F238E27FC236}">
+                <a16:creationId xmlns:a16="http://schemas.microsoft.com/office/drawing/2014/main" id="{B5BF14F9-E7F7-4DC6-8DC6-F11AB1431D01}"/>
+              </a:ext>
+            </a:extLst>
+          </p:cNvPr>
+          <p:cNvSpPr/>
+          <p:nvPr/>
+        </p:nvSpPr>
+        <p:spPr>
+          <a:xfrm>
+            <a:off x="5628460" y="5424549"/>
+            <a:ext cx="252840" cy="235984"/>
+          </a:xfrm>
+          <a:prstGeom prst="roundRect">
+            <a:avLst/>
+          </a:prstGeom>
+        </p:spPr>
+        <p:style>
+          <a:lnRef idx="0">
+            <a:schemeClr val="accent2"/>
+          </a:lnRef>
+          <a:fillRef idx="3">
+            <a:schemeClr val="accent2"/>
+          </a:fillRef>
+          <a:effectRef idx="3">
+            <a:schemeClr val="accent2"/>
+          </a:effectRef>
+          <a:fontRef idx="minor">
+            <a:schemeClr val="lt1"/>
+          </a:fontRef>
+        </p:style>
+        <p:txBody>
+          <a:bodyPr rtlCol="0" anchor="ctr"/>
+          <a:lstStyle/>
+          <a:p>
+            <a:pPr algn="ctr"/>
+            <a:r>
+              <a:rPr lang="es-MX" sz="1400" dirty="0"/>
+              <a:t>E</a:t>
+            </a:r>
+          </a:p>
+        </p:txBody>
+      </p:sp>
+      <p:sp>
+        <p:nvSpPr>
+          <p:cNvPr id="11" name="Rectángulo: esquinas redondeadas 10">
+            <a:extLst>
+              <a:ext uri="{FF2B5EF4-FFF2-40B4-BE49-F238E27FC236}">
+                <a16:creationId xmlns:a16="http://schemas.microsoft.com/office/drawing/2014/main" id="{04C9F52B-ADE7-4DC7-8B91-74F266478B06}"/>
+              </a:ext>
+            </a:extLst>
+          </p:cNvPr>
+          <p:cNvSpPr/>
+          <p:nvPr/>
+        </p:nvSpPr>
+        <p:spPr>
+          <a:xfrm>
+            <a:off x="5628460" y="5798088"/>
+            <a:ext cx="252840" cy="235984"/>
+          </a:xfrm>
+          <a:prstGeom prst="roundRect">
+            <a:avLst/>
+          </a:prstGeom>
+        </p:spPr>
+        <p:style>
+          <a:lnRef idx="0">
+            <a:schemeClr val="accent2"/>
+          </a:lnRef>
+          <a:fillRef idx="3">
+            <a:schemeClr val="accent2"/>
+          </a:fillRef>
+          <a:effectRef idx="3">
+            <a:schemeClr val="accent2"/>
+          </a:effectRef>
+          <a:fontRef idx="minor">
+            <a:schemeClr val="lt1"/>
+          </a:fontRef>
+        </p:style>
+        <p:txBody>
+          <a:bodyPr rtlCol="0" anchor="ctr"/>
+          <a:lstStyle/>
+          <a:p>
+            <a:pPr algn="ctr"/>
+            <a:r>
+              <a:rPr lang="es-MX" sz="1400" dirty="0"/>
+              <a:t>E</a:t>
+            </a:r>
+          </a:p>
+        </p:txBody>
+      </p:sp>
+      <p:sp>
+        <p:nvSpPr>
+          <p:cNvPr id="12" name="Rectángulo: esquinas redondeadas 11">
+            <a:extLst>
+              <a:ext uri="{FF2B5EF4-FFF2-40B4-BE49-F238E27FC236}">
+                <a16:creationId xmlns:a16="http://schemas.microsoft.com/office/drawing/2014/main" id="{EBA2ECCE-0363-4ED1-81F8-5D3AF274F207}"/>
+              </a:ext>
+            </a:extLst>
+          </p:cNvPr>
+          <p:cNvSpPr/>
+          <p:nvPr/>
+        </p:nvSpPr>
+        <p:spPr>
+          <a:xfrm>
+            <a:off x="5628460" y="6166343"/>
+            <a:ext cx="252840" cy="235984"/>
+          </a:xfrm>
+          <a:prstGeom prst="roundRect">
+            <a:avLst/>
+          </a:prstGeom>
+        </p:spPr>
+        <p:style>
+          <a:lnRef idx="0">
+            <a:schemeClr val="accent2"/>
+          </a:lnRef>
+          <a:fillRef idx="3">
+            <a:schemeClr val="accent2"/>
+          </a:fillRef>
+          <a:effectRef idx="3">
+            <a:schemeClr val="accent2"/>
+          </a:effectRef>
+          <a:fontRef idx="minor">
+            <a:schemeClr val="lt1"/>
+          </a:fontRef>
+        </p:style>
+        <p:txBody>
+          <a:bodyPr rtlCol="0" anchor="ctr"/>
+          <a:lstStyle/>
+          <a:p>
+            <a:pPr algn="ctr"/>
+            <a:r>
+              <a:rPr lang="es-MX" sz="1400" dirty="0"/>
+              <a:t>E</a:t>
+            </a:r>
+          </a:p>
+        </p:txBody>
+      </p:sp>
+      <p:sp>
+        <p:nvSpPr>
+          <p:cNvPr id="13" name="Rectángulo: esquinas redondeadas 12">
+            <a:extLst>
+              <a:ext uri="{FF2B5EF4-FFF2-40B4-BE49-F238E27FC236}">
+                <a16:creationId xmlns:a16="http://schemas.microsoft.com/office/drawing/2014/main" id="{71268B20-7FD2-4E70-BAFB-789DA8109C18}"/>
+              </a:ext>
+            </a:extLst>
+          </p:cNvPr>
+          <p:cNvSpPr/>
+          <p:nvPr/>
+        </p:nvSpPr>
+        <p:spPr>
+          <a:xfrm>
+            <a:off x="10806378" y="2915233"/>
+            <a:ext cx="252840" cy="235984"/>
+          </a:xfrm>
+          <a:prstGeom prst="roundRect">
+            <a:avLst/>
+          </a:prstGeom>
+        </p:spPr>
+        <p:style>
+          <a:lnRef idx="0">
+            <a:schemeClr val="accent2"/>
+          </a:lnRef>
+          <a:fillRef idx="3">
+            <a:schemeClr val="accent2"/>
+          </a:fillRef>
+          <a:effectRef idx="3">
+            <a:schemeClr val="accent2"/>
+          </a:effectRef>
+          <a:fontRef idx="minor">
+            <a:schemeClr val="lt1"/>
+          </a:fontRef>
+        </p:style>
+        <p:txBody>
+          <a:bodyPr rtlCol="0" anchor="ctr"/>
+          <a:lstStyle/>
+          <a:p>
+            <a:pPr algn="ctr"/>
+            <a:r>
+              <a:rPr lang="es-MX" sz="1400" dirty="0"/>
+              <a:t>E</a:t>
+            </a:r>
+          </a:p>
+        </p:txBody>
+      </p:sp>
+      <p:sp>
+        <p:nvSpPr>
+          <p:cNvPr id="14" name="Rectángulo: esquinas redondeadas 13">
+            <a:extLst>
+              <a:ext uri="{FF2B5EF4-FFF2-40B4-BE49-F238E27FC236}">
+                <a16:creationId xmlns:a16="http://schemas.microsoft.com/office/drawing/2014/main" id="{7DBE43BA-C82B-4031-B144-38068FF0E35F}"/>
+              </a:ext>
+            </a:extLst>
+          </p:cNvPr>
+          <p:cNvSpPr/>
+          <p:nvPr/>
+        </p:nvSpPr>
+        <p:spPr>
+          <a:xfrm>
+            <a:off x="10801354" y="3297945"/>
+            <a:ext cx="252840" cy="235984"/>
+          </a:xfrm>
+          <a:prstGeom prst="roundRect">
+            <a:avLst/>
+          </a:prstGeom>
+        </p:spPr>
+        <p:style>
+          <a:lnRef idx="0">
+            <a:schemeClr val="accent2"/>
+          </a:lnRef>
+          <a:fillRef idx="3">
+            <a:schemeClr val="accent2"/>
+          </a:fillRef>
+          <a:effectRef idx="3">
+            <a:schemeClr val="accent2"/>
+          </a:effectRef>
+          <a:fontRef idx="minor">
+            <a:schemeClr val="lt1"/>
+          </a:fontRef>
+        </p:style>
+        <p:txBody>
+          <a:bodyPr rtlCol="0" anchor="ctr"/>
+          <a:lstStyle/>
+          <a:p>
+            <a:pPr algn="ctr"/>
+            <a:r>
+              <a:rPr lang="es-MX" sz="1400" dirty="0"/>
+              <a:t>E</a:t>
+            </a:r>
+          </a:p>
+        </p:txBody>
+      </p:sp>
+      <p:sp>
+        <p:nvSpPr>
+          <p:cNvPr id="17" name="Rectángulo: esquinas redondeadas 16">
+            <a:extLst>
+              <a:ext uri="{FF2B5EF4-FFF2-40B4-BE49-F238E27FC236}">
+                <a16:creationId xmlns:a16="http://schemas.microsoft.com/office/drawing/2014/main" id="{9C01ACCC-F8CB-4120-BEC9-0C68F3522B62}"/>
+              </a:ext>
+            </a:extLst>
+          </p:cNvPr>
+          <p:cNvSpPr/>
+          <p:nvPr/>
+        </p:nvSpPr>
+        <p:spPr>
+          <a:xfrm>
+            <a:off x="5971064" y="5798088"/>
+            <a:ext cx="252840" cy="235984"/>
+          </a:xfrm>
+          <a:prstGeom prst="roundRect">
+            <a:avLst/>
+          </a:prstGeom>
+        </p:spPr>
+        <p:style>
+          <a:lnRef idx="0">
+            <a:schemeClr val="accent4"/>
+          </a:lnRef>
+          <a:fillRef idx="3">
+            <a:schemeClr val="accent4"/>
+          </a:fillRef>
+          <a:effectRef idx="3">
+            <a:schemeClr val="accent4"/>
+          </a:effectRef>
+          <a:fontRef idx="minor">
+            <a:schemeClr val="lt1"/>
+          </a:fontRef>
+        </p:style>
+        <p:txBody>
+          <a:bodyPr rtlCol="0" anchor="ctr"/>
+          <a:lstStyle/>
+          <a:p>
+            <a:pPr algn="ctr"/>
+            <a:r>
+              <a:rPr lang="es-MX" sz="1400" dirty="0"/>
+              <a:t>M</a:t>
+            </a:r>
+          </a:p>
+        </p:txBody>
+      </p:sp>
+      <p:sp>
+        <p:nvSpPr>
+          <p:cNvPr id="18" name="Rectángulo: esquinas redondeadas 17">
+            <a:extLst>
+              <a:ext uri="{FF2B5EF4-FFF2-40B4-BE49-F238E27FC236}">
+                <a16:creationId xmlns:a16="http://schemas.microsoft.com/office/drawing/2014/main" id="{EDF14525-99B5-4623-A192-58337EA47A52}"/>
+              </a:ext>
+            </a:extLst>
+          </p:cNvPr>
+          <p:cNvSpPr/>
+          <p:nvPr/>
+        </p:nvSpPr>
+        <p:spPr>
+          <a:xfrm>
+            <a:off x="5971064" y="6166343"/>
+            <a:ext cx="252840" cy="235984"/>
+          </a:xfrm>
+          <a:prstGeom prst="roundRect">
+            <a:avLst/>
+          </a:prstGeom>
+        </p:spPr>
+        <p:style>
+          <a:lnRef idx="0">
+            <a:schemeClr val="accent4"/>
+          </a:lnRef>
+          <a:fillRef idx="3">
+            <a:schemeClr val="accent4"/>
+          </a:fillRef>
+          <a:effectRef idx="3">
+            <a:schemeClr val="accent4"/>
+          </a:effectRef>
+          <a:fontRef idx="minor">
+            <a:schemeClr val="lt1"/>
+          </a:fontRef>
+        </p:style>
+        <p:txBody>
+          <a:bodyPr rtlCol="0" anchor="ctr"/>
+          <a:lstStyle/>
+          <a:p>
+            <a:pPr algn="ctr"/>
+            <a:r>
+              <a:rPr lang="es-MX" sz="1400" dirty="0"/>
+              <a:t>M</a:t>
+            </a:r>
+          </a:p>
+        </p:txBody>
+      </p:sp>
+      <p:sp>
+        <p:nvSpPr>
+          <p:cNvPr id="19" name="Rectángulo: esquinas redondeadas 18">
+            <a:extLst>
+              <a:ext uri="{FF2B5EF4-FFF2-40B4-BE49-F238E27FC236}">
+                <a16:creationId xmlns:a16="http://schemas.microsoft.com/office/drawing/2014/main" id="{A641B61A-2601-423E-9451-7D201D989FBD}"/>
+              </a:ext>
+            </a:extLst>
+          </p:cNvPr>
+          <p:cNvSpPr/>
+          <p:nvPr/>
+        </p:nvSpPr>
+        <p:spPr>
+          <a:xfrm>
+            <a:off x="11169625" y="2929690"/>
+            <a:ext cx="252840" cy="235984"/>
+          </a:xfrm>
+          <a:prstGeom prst="roundRect">
+            <a:avLst/>
+          </a:prstGeom>
+        </p:spPr>
+        <p:style>
+          <a:lnRef idx="0">
+            <a:schemeClr val="accent4"/>
+          </a:lnRef>
+          <a:fillRef idx="3">
+            <a:schemeClr val="accent4"/>
+          </a:fillRef>
+          <a:effectRef idx="3">
+            <a:schemeClr val="accent4"/>
+          </a:effectRef>
+          <a:fontRef idx="minor">
+            <a:schemeClr val="lt1"/>
+          </a:fontRef>
+        </p:style>
+        <p:txBody>
+          <a:bodyPr rtlCol="0" anchor="ctr"/>
+          <a:lstStyle/>
+          <a:p>
+            <a:pPr algn="ctr"/>
+            <a:r>
+              <a:rPr lang="es-MX" sz="1400" dirty="0"/>
+              <a:t>M</a:t>
+            </a:r>
+          </a:p>
+        </p:txBody>
+      </p:sp>
+      <p:sp>
+        <p:nvSpPr>
+          <p:cNvPr id="20" name="Rectángulo: esquinas redondeadas 19">
+            <a:extLst>
+              <a:ext uri="{FF2B5EF4-FFF2-40B4-BE49-F238E27FC236}">
+                <a16:creationId xmlns:a16="http://schemas.microsoft.com/office/drawing/2014/main" id="{A28B5FC3-445B-4CF2-8A9C-46E7CB5AD87C}"/>
+              </a:ext>
+            </a:extLst>
+          </p:cNvPr>
+          <p:cNvSpPr/>
+          <p:nvPr/>
+        </p:nvSpPr>
+        <p:spPr>
+          <a:xfrm>
+            <a:off x="11169625" y="3297945"/>
+            <a:ext cx="252840" cy="235984"/>
+          </a:xfrm>
+          <a:prstGeom prst="roundRect">
+            <a:avLst/>
+          </a:prstGeom>
+        </p:spPr>
+        <p:style>
+          <a:lnRef idx="0">
+            <a:schemeClr val="accent4"/>
+          </a:lnRef>
+          <a:fillRef idx="3">
+            <a:schemeClr val="accent4"/>
+          </a:fillRef>
+          <a:effectRef idx="3">
+            <a:schemeClr val="accent4"/>
+          </a:effectRef>
+          <a:fontRef idx="minor">
+            <a:schemeClr val="lt1"/>
+          </a:fontRef>
+        </p:style>
+        <p:txBody>
+          <a:bodyPr rtlCol="0" anchor="ctr"/>
+          <a:lstStyle/>
+          <a:p>
+            <a:pPr algn="ctr"/>
+            <a:r>
+              <a:rPr lang="es-MX" sz="1400" dirty="0"/>
+              <a:t>M</a:t>
+            </a:r>
           </a:p>
         </p:txBody>
       </p:sp>
@@ -6424,7 +6954,7 @@
         </p:nvSpPr>
         <p:spPr>
           <a:xfrm>
-            <a:off x="450166" y="3391317"/>
+            <a:off x="469258" y="3389011"/>
             <a:ext cx="11364686" cy="365760"/>
           </a:xfrm>
           <a:prstGeom prst="rect">
@@ -6556,7 +7086,7 @@
           <a:noFill/>
         </p:spPr>
         <p:txBody>
-          <a:bodyPr wrap="square" numCol="2" rtlCol="0">
+          <a:bodyPr wrap="square" numCol="2" spcCol="360000" rtlCol="0">
             <a:spAutoFit/>
           </a:bodyPr>
           <a:lstStyle/>
@@ -6729,6 +7259,147 @@
             <a:endParaRPr lang="es-MX" sz="2400" dirty="0">
               <a:latin typeface="Berlin Sans FB" panose="020E0602020502020306" pitchFamily="34" charset="0"/>
             </a:endParaRPr>
+          </a:p>
+        </p:txBody>
+      </p:sp>
+      <p:sp>
+        <p:nvSpPr>
+          <p:cNvPr id="12" name="Rectángulo: esquinas redondeadas 11">
+            <a:extLst>
+              <a:ext uri="{FF2B5EF4-FFF2-40B4-BE49-F238E27FC236}">
+                <a16:creationId xmlns:a16="http://schemas.microsoft.com/office/drawing/2014/main" id="{A134087C-2AB2-4B22-A383-6A5644C6C4C9}"/>
+              </a:ext>
+            </a:extLst>
+          </p:cNvPr>
+          <p:cNvSpPr/>
+          <p:nvPr/>
+        </p:nvSpPr>
+        <p:spPr>
+          <a:xfrm>
+            <a:off x="5889215" y="4463178"/>
+            <a:ext cx="252840" cy="235984"/>
+          </a:xfrm>
+          <a:prstGeom prst="roundRect">
+            <a:avLst/>
+          </a:prstGeom>
+        </p:spPr>
+        <p:style>
+          <a:lnRef idx="0">
+            <a:schemeClr val="accent6"/>
+          </a:lnRef>
+          <a:fillRef idx="3">
+            <a:schemeClr val="accent6"/>
+          </a:fillRef>
+          <a:effectRef idx="3">
+            <a:schemeClr val="accent6"/>
+          </a:effectRef>
+          <a:fontRef idx="minor">
+            <a:schemeClr val="lt1"/>
+          </a:fontRef>
+        </p:style>
+        <p:txBody>
+          <a:bodyPr rtlCol="0" anchor="ctr"/>
+          <a:lstStyle/>
+          <a:p>
+            <a:pPr algn="ctr"/>
+            <a:r>
+              <a:rPr lang="es-MX" sz="1400" dirty="0"/>
+              <a:t>L</a:t>
+            </a:r>
+          </a:p>
+        </p:txBody>
+      </p:sp>
+      <p:sp>
+        <p:nvSpPr>
+          <p:cNvPr id="13" name="Rectángulo: esquinas redondeadas 12">
+            <a:extLst>
+              <a:ext uri="{FF2B5EF4-FFF2-40B4-BE49-F238E27FC236}">
+                <a16:creationId xmlns:a16="http://schemas.microsoft.com/office/drawing/2014/main" id="{B22E96D0-414E-4626-8F93-170C2F7C62ED}"/>
+              </a:ext>
+            </a:extLst>
+          </p:cNvPr>
+          <p:cNvSpPr/>
+          <p:nvPr/>
+        </p:nvSpPr>
+        <p:spPr>
+          <a:xfrm>
+            <a:off x="5883500" y="4808131"/>
+            <a:ext cx="252840" cy="235984"/>
+          </a:xfrm>
+          <a:prstGeom prst="roundRect">
+            <a:avLst/>
+          </a:prstGeom>
+        </p:spPr>
+        <p:style>
+          <a:lnRef idx="0">
+            <a:schemeClr val="accent6"/>
+          </a:lnRef>
+          <a:fillRef idx="3">
+            <a:schemeClr val="accent6"/>
+          </a:fillRef>
+          <a:effectRef idx="3">
+            <a:schemeClr val="accent6"/>
+          </a:effectRef>
+          <a:fontRef idx="minor">
+            <a:schemeClr val="lt1"/>
+          </a:fontRef>
+        </p:style>
+        <p:txBody>
+          <a:bodyPr rtlCol="0" anchor="ctr"/>
+          <a:lstStyle/>
+          <a:p>
+            <a:pPr algn="ctr"/>
+            <a:r>
+              <a:rPr lang="es-MX" sz="1400" dirty="0"/>
+              <a:t>L</a:t>
+            </a:r>
+          </a:p>
+        </p:txBody>
+      </p:sp>
+      <p:sp>
+        <p:nvSpPr>
+          <p:cNvPr id="14" name="Rectángulo: esquinas redondeadas 13">
+            <a:extLst>
+              <a:ext uri="{FF2B5EF4-FFF2-40B4-BE49-F238E27FC236}">
+                <a16:creationId xmlns:a16="http://schemas.microsoft.com/office/drawing/2014/main" id="{4984A4B9-52A7-4712-AB26-4D707F383A90}"/>
+              </a:ext>
+            </a:extLst>
+          </p:cNvPr>
+          <p:cNvSpPr/>
+          <p:nvPr/>
+        </p:nvSpPr>
+        <p:spPr>
+          <a:xfrm>
+            <a:off x="11271616" y="4463178"/>
+            <a:ext cx="252840" cy="235984"/>
+          </a:xfrm>
+          <a:prstGeom prst="roundRect">
+            <a:avLst/>
+          </a:prstGeom>
+        </p:spPr>
+        <p:style>
+          <a:lnRef idx="0">
+            <a:schemeClr val="accent6"/>
+          </a:lnRef>
+          <a:fillRef idx="3">
+            <a:schemeClr val="accent6"/>
+          </a:fillRef>
+          <a:effectRef idx="3">
+            <a:schemeClr val="accent6"/>
+          </a:effectRef>
+          <a:fontRef idx="minor">
+            <a:schemeClr val="lt1"/>
+          </a:fontRef>
+        </p:style>
+        <p:txBody>
+          <a:bodyPr rtlCol="0" anchor="ctr"/>
+          <a:lstStyle/>
+          <a:p>
+            <a:pPr algn="ctr"/>
+            <a:r>
+              <a:rPr lang="es-MX" sz="1400" dirty="0"/>
+              <a:t>L</a:t>
+            </a:r>
           </a:p>
         </p:txBody>
       </p:sp>
@@ -6995,7 +7666,7 @@
           <a:noFill/>
         </p:spPr>
         <p:txBody>
-          <a:bodyPr wrap="square" numCol="2" rtlCol="0">
+          <a:bodyPr wrap="square" numCol="2" spcCol="360000" rtlCol="0">
             <a:spAutoFit/>
           </a:bodyPr>
           <a:lstStyle/>
@@ -7378,6 +8049,476 @@
             <a:endParaRPr lang="es-MX" sz="2400" dirty="0">
               <a:latin typeface="Berlin Sans FB" panose="020E0602020502020306" pitchFamily="34" charset="0"/>
             </a:endParaRPr>
+          </a:p>
+        </p:txBody>
+      </p:sp>
+      <p:sp>
+        <p:nvSpPr>
+          <p:cNvPr id="8" name="Rectángulo: esquinas redondeadas 7">
+            <a:extLst>
+              <a:ext uri="{FF2B5EF4-FFF2-40B4-BE49-F238E27FC236}">
+                <a16:creationId xmlns:a16="http://schemas.microsoft.com/office/drawing/2014/main" id="{95C85EF6-1132-46DA-BC54-E611D866BDCB}"/>
+              </a:ext>
+            </a:extLst>
+          </p:cNvPr>
+          <p:cNvSpPr/>
+          <p:nvPr/>
+        </p:nvSpPr>
+        <p:spPr>
+          <a:xfrm>
+            <a:off x="5507881" y="2647238"/>
+            <a:ext cx="252840" cy="235984"/>
+          </a:xfrm>
+          <a:prstGeom prst="roundRect">
+            <a:avLst/>
+          </a:prstGeom>
+        </p:spPr>
+        <p:style>
+          <a:lnRef idx="1">
+            <a:schemeClr val="accent5"/>
+          </a:lnRef>
+          <a:fillRef idx="3">
+            <a:schemeClr val="accent5"/>
+          </a:fillRef>
+          <a:effectRef idx="2">
+            <a:schemeClr val="accent5"/>
+          </a:effectRef>
+          <a:fontRef idx="minor">
+            <a:schemeClr val="lt1"/>
+          </a:fontRef>
+        </p:style>
+        <p:txBody>
+          <a:bodyPr rtlCol="0" anchor="ctr"/>
+          <a:lstStyle/>
+          <a:p>
+            <a:pPr algn="ctr"/>
+            <a:r>
+              <a:rPr lang="es-MX" sz="1400" dirty="0"/>
+              <a:t>F</a:t>
+            </a:r>
+          </a:p>
+        </p:txBody>
+      </p:sp>
+      <p:sp>
+        <p:nvSpPr>
+          <p:cNvPr id="10" name="Rectángulo: esquinas redondeadas 9">
+            <a:extLst>
+              <a:ext uri="{FF2B5EF4-FFF2-40B4-BE49-F238E27FC236}">
+                <a16:creationId xmlns:a16="http://schemas.microsoft.com/office/drawing/2014/main" id="{8D66F83A-A315-459E-8CA9-D2B358DE3F3E}"/>
+              </a:ext>
+            </a:extLst>
+          </p:cNvPr>
+          <p:cNvSpPr/>
+          <p:nvPr/>
+        </p:nvSpPr>
+        <p:spPr>
+          <a:xfrm>
+            <a:off x="5507881" y="5651695"/>
+            <a:ext cx="252840" cy="235984"/>
+          </a:xfrm>
+          <a:prstGeom prst="roundRect">
+            <a:avLst/>
+          </a:prstGeom>
+        </p:spPr>
+        <p:style>
+          <a:lnRef idx="1">
+            <a:schemeClr val="accent5"/>
+          </a:lnRef>
+          <a:fillRef idx="3">
+            <a:schemeClr val="accent5"/>
+          </a:fillRef>
+          <a:effectRef idx="2">
+            <a:schemeClr val="accent5"/>
+          </a:effectRef>
+          <a:fontRef idx="minor">
+            <a:schemeClr val="lt1"/>
+          </a:fontRef>
+        </p:style>
+        <p:txBody>
+          <a:bodyPr rtlCol="0" anchor="ctr"/>
+          <a:lstStyle/>
+          <a:p>
+            <a:pPr algn="ctr"/>
+            <a:r>
+              <a:rPr lang="es-MX" sz="1400" dirty="0"/>
+              <a:t>F</a:t>
+            </a:r>
+          </a:p>
+        </p:txBody>
+      </p:sp>
+      <p:sp>
+        <p:nvSpPr>
+          <p:cNvPr id="11" name="Rectángulo: esquinas redondeadas 10">
+            <a:extLst>
+              <a:ext uri="{FF2B5EF4-FFF2-40B4-BE49-F238E27FC236}">
+                <a16:creationId xmlns:a16="http://schemas.microsoft.com/office/drawing/2014/main" id="{7A1C9928-F1AD-4462-ABA7-0434143994CA}"/>
+              </a:ext>
+            </a:extLst>
+          </p:cNvPr>
+          <p:cNvSpPr/>
+          <p:nvPr/>
+        </p:nvSpPr>
+        <p:spPr>
+          <a:xfrm>
+            <a:off x="10315013" y="3040106"/>
+            <a:ext cx="252840" cy="235984"/>
+          </a:xfrm>
+          <a:prstGeom prst="roundRect">
+            <a:avLst/>
+          </a:prstGeom>
+        </p:spPr>
+        <p:style>
+          <a:lnRef idx="1">
+            <a:schemeClr val="accent5"/>
+          </a:lnRef>
+          <a:fillRef idx="3">
+            <a:schemeClr val="accent5"/>
+          </a:fillRef>
+          <a:effectRef idx="2">
+            <a:schemeClr val="accent5"/>
+          </a:effectRef>
+          <a:fontRef idx="minor">
+            <a:schemeClr val="lt1"/>
+          </a:fontRef>
+        </p:style>
+        <p:txBody>
+          <a:bodyPr rtlCol="0" anchor="ctr"/>
+          <a:lstStyle/>
+          <a:p>
+            <a:pPr algn="ctr"/>
+            <a:r>
+              <a:rPr lang="es-MX" sz="1400" dirty="0"/>
+              <a:t>F</a:t>
+            </a:r>
+          </a:p>
+        </p:txBody>
+      </p:sp>
+      <p:sp>
+        <p:nvSpPr>
+          <p:cNvPr id="12" name="Rectángulo: esquinas redondeadas 11">
+            <a:extLst>
+              <a:ext uri="{FF2B5EF4-FFF2-40B4-BE49-F238E27FC236}">
+                <a16:creationId xmlns:a16="http://schemas.microsoft.com/office/drawing/2014/main" id="{E2D0543E-37A1-481B-9289-1D7047F872FA}"/>
+              </a:ext>
+            </a:extLst>
+          </p:cNvPr>
+          <p:cNvSpPr/>
+          <p:nvPr/>
+        </p:nvSpPr>
+        <p:spPr>
+          <a:xfrm>
+            <a:off x="10315013" y="3429000"/>
+            <a:ext cx="252840" cy="235984"/>
+          </a:xfrm>
+          <a:prstGeom prst="roundRect">
+            <a:avLst/>
+          </a:prstGeom>
+        </p:spPr>
+        <p:style>
+          <a:lnRef idx="1">
+            <a:schemeClr val="accent5"/>
+          </a:lnRef>
+          <a:fillRef idx="3">
+            <a:schemeClr val="accent5"/>
+          </a:fillRef>
+          <a:effectRef idx="2">
+            <a:schemeClr val="accent5"/>
+          </a:effectRef>
+          <a:fontRef idx="minor">
+            <a:schemeClr val="lt1"/>
+          </a:fontRef>
+        </p:style>
+        <p:txBody>
+          <a:bodyPr rtlCol="0" anchor="ctr"/>
+          <a:lstStyle/>
+          <a:p>
+            <a:pPr algn="ctr"/>
+            <a:r>
+              <a:rPr lang="es-MX" sz="1400" dirty="0"/>
+              <a:t>F</a:t>
+            </a:r>
+          </a:p>
+        </p:txBody>
+      </p:sp>
+      <p:sp>
+        <p:nvSpPr>
+          <p:cNvPr id="13" name="Rectángulo: esquinas redondeadas 12">
+            <a:extLst>
+              <a:ext uri="{FF2B5EF4-FFF2-40B4-BE49-F238E27FC236}">
+                <a16:creationId xmlns:a16="http://schemas.microsoft.com/office/drawing/2014/main" id="{7F3B6F53-232A-468F-A0EC-E7140D349E20}"/>
+              </a:ext>
+            </a:extLst>
+          </p:cNvPr>
+          <p:cNvSpPr/>
+          <p:nvPr/>
+        </p:nvSpPr>
+        <p:spPr>
+          <a:xfrm>
+            <a:off x="10315013" y="3787551"/>
+            <a:ext cx="252840" cy="235984"/>
+          </a:xfrm>
+          <a:prstGeom prst="roundRect">
+            <a:avLst/>
+          </a:prstGeom>
+        </p:spPr>
+        <p:style>
+          <a:lnRef idx="1">
+            <a:schemeClr val="accent5"/>
+          </a:lnRef>
+          <a:fillRef idx="3">
+            <a:schemeClr val="accent5"/>
+          </a:fillRef>
+          <a:effectRef idx="2">
+            <a:schemeClr val="accent5"/>
+          </a:effectRef>
+          <a:fontRef idx="minor">
+            <a:schemeClr val="lt1"/>
+          </a:fontRef>
+        </p:style>
+        <p:txBody>
+          <a:bodyPr rtlCol="0" anchor="ctr"/>
+          <a:lstStyle/>
+          <a:p>
+            <a:pPr algn="ctr"/>
+            <a:r>
+              <a:rPr lang="es-MX" sz="1400" dirty="0"/>
+              <a:t>F</a:t>
+            </a:r>
+          </a:p>
+        </p:txBody>
+      </p:sp>
+      <p:sp>
+        <p:nvSpPr>
+          <p:cNvPr id="14" name="Rectángulo: esquinas redondeadas 13">
+            <a:extLst>
+              <a:ext uri="{FF2B5EF4-FFF2-40B4-BE49-F238E27FC236}">
+                <a16:creationId xmlns:a16="http://schemas.microsoft.com/office/drawing/2014/main" id="{D2A2B38E-434C-4F72-9F1E-F3C51B5F5779}"/>
+              </a:ext>
+            </a:extLst>
+          </p:cNvPr>
+          <p:cNvSpPr/>
+          <p:nvPr/>
+        </p:nvSpPr>
+        <p:spPr>
+          <a:xfrm>
+            <a:off x="10315013" y="4118438"/>
+            <a:ext cx="252840" cy="235984"/>
+          </a:xfrm>
+          <a:prstGeom prst="roundRect">
+            <a:avLst/>
+          </a:prstGeom>
+        </p:spPr>
+        <p:style>
+          <a:lnRef idx="1">
+            <a:schemeClr val="accent5"/>
+          </a:lnRef>
+          <a:fillRef idx="3">
+            <a:schemeClr val="accent5"/>
+          </a:fillRef>
+          <a:effectRef idx="2">
+            <a:schemeClr val="accent5"/>
+          </a:effectRef>
+          <a:fontRef idx="minor">
+            <a:schemeClr val="lt1"/>
+          </a:fontRef>
+        </p:style>
+        <p:txBody>
+          <a:bodyPr rtlCol="0" anchor="ctr"/>
+          <a:lstStyle/>
+          <a:p>
+            <a:pPr algn="ctr"/>
+            <a:r>
+              <a:rPr lang="es-MX" sz="1400" dirty="0"/>
+              <a:t>F</a:t>
+            </a:r>
+          </a:p>
+        </p:txBody>
+      </p:sp>
+      <p:sp>
+        <p:nvSpPr>
+          <p:cNvPr id="15" name="Rectángulo: esquinas redondeadas 14">
+            <a:extLst>
+              <a:ext uri="{FF2B5EF4-FFF2-40B4-BE49-F238E27FC236}">
+                <a16:creationId xmlns:a16="http://schemas.microsoft.com/office/drawing/2014/main" id="{25ED762C-852C-40C8-837C-57F0B9C76DBE}"/>
+              </a:ext>
+            </a:extLst>
+          </p:cNvPr>
+          <p:cNvSpPr/>
+          <p:nvPr/>
+        </p:nvSpPr>
+        <p:spPr>
+          <a:xfrm>
+            <a:off x="10315013" y="4449325"/>
+            <a:ext cx="252840" cy="235984"/>
+          </a:xfrm>
+          <a:prstGeom prst="roundRect">
+            <a:avLst/>
+          </a:prstGeom>
+        </p:spPr>
+        <p:style>
+          <a:lnRef idx="1">
+            <a:schemeClr val="accent5"/>
+          </a:lnRef>
+          <a:fillRef idx="3">
+            <a:schemeClr val="accent5"/>
+          </a:fillRef>
+          <a:effectRef idx="2">
+            <a:schemeClr val="accent5"/>
+          </a:effectRef>
+          <a:fontRef idx="minor">
+            <a:schemeClr val="lt1"/>
+          </a:fontRef>
+        </p:style>
+        <p:txBody>
+          <a:bodyPr rtlCol="0" anchor="ctr"/>
+          <a:lstStyle/>
+          <a:p>
+            <a:pPr algn="ctr"/>
+            <a:r>
+              <a:rPr lang="es-MX" sz="1400" dirty="0"/>
+              <a:t>F</a:t>
+            </a:r>
+          </a:p>
+        </p:txBody>
+      </p:sp>
+      <p:sp>
+        <p:nvSpPr>
+          <p:cNvPr id="16" name="Rectángulo: esquinas redondeadas 15">
+            <a:extLst>
+              <a:ext uri="{FF2B5EF4-FFF2-40B4-BE49-F238E27FC236}">
+                <a16:creationId xmlns:a16="http://schemas.microsoft.com/office/drawing/2014/main" id="{D517C4FA-E697-42A4-9C0D-683598B0544A}"/>
+              </a:ext>
+            </a:extLst>
+          </p:cNvPr>
+          <p:cNvSpPr/>
+          <p:nvPr/>
+        </p:nvSpPr>
+        <p:spPr>
+          <a:xfrm>
+            <a:off x="10315013" y="4816616"/>
+            <a:ext cx="252840" cy="235984"/>
+          </a:xfrm>
+          <a:prstGeom prst="roundRect">
+            <a:avLst/>
+          </a:prstGeom>
+        </p:spPr>
+        <p:style>
+          <a:lnRef idx="1">
+            <a:schemeClr val="accent5"/>
+          </a:lnRef>
+          <a:fillRef idx="3">
+            <a:schemeClr val="accent5"/>
+          </a:fillRef>
+          <a:effectRef idx="2">
+            <a:schemeClr val="accent5"/>
+          </a:effectRef>
+          <a:fontRef idx="minor">
+            <a:schemeClr val="lt1"/>
+          </a:fontRef>
+        </p:style>
+        <p:txBody>
+          <a:bodyPr rtlCol="0" anchor="ctr"/>
+          <a:lstStyle/>
+          <a:p>
+            <a:pPr algn="ctr"/>
+            <a:r>
+              <a:rPr lang="es-MX" sz="1400" dirty="0"/>
+              <a:t>F</a:t>
+            </a:r>
+          </a:p>
+        </p:txBody>
+      </p:sp>
+      <p:sp>
+        <p:nvSpPr>
+          <p:cNvPr id="17" name="Rectángulo: esquinas redondeadas 16">
+            <a:extLst>
+              <a:ext uri="{FF2B5EF4-FFF2-40B4-BE49-F238E27FC236}">
+                <a16:creationId xmlns:a16="http://schemas.microsoft.com/office/drawing/2014/main" id="{68BA9580-8A5D-4E1D-B728-12AE15F903AC}"/>
+              </a:ext>
+            </a:extLst>
+          </p:cNvPr>
+          <p:cNvSpPr/>
+          <p:nvPr/>
+        </p:nvSpPr>
+        <p:spPr>
+          <a:xfrm>
+            <a:off x="10315013" y="5183907"/>
+            <a:ext cx="252840" cy="235984"/>
+          </a:xfrm>
+          <a:prstGeom prst="roundRect">
+            <a:avLst/>
+          </a:prstGeom>
+        </p:spPr>
+        <p:style>
+          <a:lnRef idx="1">
+            <a:schemeClr val="accent5"/>
+          </a:lnRef>
+          <a:fillRef idx="3">
+            <a:schemeClr val="accent5"/>
+          </a:fillRef>
+          <a:effectRef idx="2">
+            <a:schemeClr val="accent5"/>
+          </a:effectRef>
+          <a:fontRef idx="minor">
+            <a:schemeClr val="lt1"/>
+          </a:fontRef>
+        </p:style>
+        <p:txBody>
+          <a:bodyPr rtlCol="0" anchor="ctr"/>
+          <a:lstStyle/>
+          <a:p>
+            <a:pPr algn="ctr"/>
+            <a:r>
+              <a:rPr lang="es-MX" sz="1400" dirty="0"/>
+              <a:t>F</a:t>
+            </a:r>
+          </a:p>
+        </p:txBody>
+      </p:sp>
+      <p:sp>
+        <p:nvSpPr>
+          <p:cNvPr id="18" name="Rectángulo: esquinas redondeadas 17">
+            <a:extLst>
+              <a:ext uri="{FF2B5EF4-FFF2-40B4-BE49-F238E27FC236}">
+                <a16:creationId xmlns:a16="http://schemas.microsoft.com/office/drawing/2014/main" id="{14AE0651-4266-4DB6-8ECE-ECDC3331983B}"/>
+              </a:ext>
+            </a:extLst>
+          </p:cNvPr>
+          <p:cNvSpPr/>
+          <p:nvPr/>
+        </p:nvSpPr>
+        <p:spPr>
+          <a:xfrm>
+            <a:off x="10315013" y="5564061"/>
+            <a:ext cx="252840" cy="235984"/>
+          </a:xfrm>
+          <a:prstGeom prst="roundRect">
+            <a:avLst/>
+          </a:prstGeom>
+        </p:spPr>
+        <p:style>
+          <a:lnRef idx="1">
+            <a:schemeClr val="accent5"/>
+          </a:lnRef>
+          <a:fillRef idx="3">
+            <a:schemeClr val="accent5"/>
+          </a:fillRef>
+          <a:effectRef idx="2">
+            <a:schemeClr val="accent5"/>
+          </a:effectRef>
+          <a:fontRef idx="minor">
+            <a:schemeClr val="lt1"/>
+          </a:fontRef>
+        </p:style>
+        <p:txBody>
+          <a:bodyPr rtlCol="0" anchor="ctr"/>
+          <a:lstStyle/>
+          <a:p>
+            <a:pPr algn="ctr"/>
+            <a:r>
+              <a:rPr lang="es-MX" sz="1400" dirty="0"/>
+              <a:t>F</a:t>
+            </a:r>
           </a:p>
         </p:txBody>
       </p:sp>
@@ -7810,6 +8951,288 @@
           </a:p>
         </p:txBody>
       </p:sp>
+      <p:sp>
+        <p:nvSpPr>
+          <p:cNvPr id="8" name="Rectángulo: esquinas redondeadas 7">
+            <a:extLst>
+              <a:ext uri="{FF2B5EF4-FFF2-40B4-BE49-F238E27FC236}">
+                <a16:creationId xmlns:a16="http://schemas.microsoft.com/office/drawing/2014/main" id="{06CFAB2B-D4D7-4EF6-A15F-D72BA8C23975}"/>
+              </a:ext>
+            </a:extLst>
+          </p:cNvPr>
+          <p:cNvSpPr/>
+          <p:nvPr/>
+        </p:nvSpPr>
+        <p:spPr>
+          <a:xfrm>
+            <a:off x="5724925" y="3311008"/>
+            <a:ext cx="252840" cy="235984"/>
+          </a:xfrm>
+          <a:prstGeom prst="roundRect">
+            <a:avLst/>
+          </a:prstGeom>
+        </p:spPr>
+        <p:style>
+          <a:lnRef idx="0">
+            <a:schemeClr val="accent1"/>
+          </a:lnRef>
+          <a:fillRef idx="3">
+            <a:schemeClr val="accent1"/>
+          </a:fillRef>
+          <a:effectRef idx="3">
+            <a:schemeClr val="accent1"/>
+          </a:effectRef>
+          <a:fontRef idx="minor">
+            <a:schemeClr val="lt1"/>
+          </a:fontRef>
+        </p:style>
+        <p:txBody>
+          <a:bodyPr rtlCol="0" anchor="ctr"/>
+          <a:lstStyle/>
+          <a:p>
+            <a:pPr algn="ctr"/>
+            <a:r>
+              <a:rPr lang="es-MX" sz="1400" dirty="0"/>
+              <a:t>R</a:t>
+            </a:r>
+          </a:p>
+        </p:txBody>
+      </p:sp>
+      <p:sp>
+        <p:nvSpPr>
+          <p:cNvPr id="10" name="Rectángulo: esquinas redondeadas 9">
+            <a:extLst>
+              <a:ext uri="{FF2B5EF4-FFF2-40B4-BE49-F238E27FC236}">
+                <a16:creationId xmlns:a16="http://schemas.microsoft.com/office/drawing/2014/main" id="{F610B25B-F3BE-400C-A19B-2EC1BD3B0AC0}"/>
+              </a:ext>
+            </a:extLst>
+          </p:cNvPr>
+          <p:cNvSpPr/>
+          <p:nvPr/>
+        </p:nvSpPr>
+        <p:spPr>
+          <a:xfrm>
+            <a:off x="5724925" y="3641468"/>
+            <a:ext cx="252840" cy="235984"/>
+          </a:xfrm>
+          <a:prstGeom prst="roundRect">
+            <a:avLst/>
+          </a:prstGeom>
+        </p:spPr>
+        <p:style>
+          <a:lnRef idx="0">
+            <a:schemeClr val="accent1"/>
+          </a:lnRef>
+          <a:fillRef idx="3">
+            <a:schemeClr val="accent1"/>
+          </a:fillRef>
+          <a:effectRef idx="3">
+            <a:schemeClr val="accent1"/>
+          </a:effectRef>
+          <a:fontRef idx="minor">
+            <a:schemeClr val="lt1"/>
+          </a:fontRef>
+        </p:style>
+        <p:txBody>
+          <a:bodyPr rtlCol="0" anchor="ctr"/>
+          <a:lstStyle/>
+          <a:p>
+            <a:pPr algn="ctr"/>
+            <a:r>
+              <a:rPr lang="es-MX" sz="1400" dirty="0"/>
+              <a:t>R</a:t>
+            </a:r>
+          </a:p>
+        </p:txBody>
+      </p:sp>
+      <p:sp>
+        <p:nvSpPr>
+          <p:cNvPr id="11" name="Rectángulo: esquinas redondeadas 10">
+            <a:extLst>
+              <a:ext uri="{FF2B5EF4-FFF2-40B4-BE49-F238E27FC236}">
+                <a16:creationId xmlns:a16="http://schemas.microsoft.com/office/drawing/2014/main" id="{0521EB71-9CA4-42A6-9F09-8FCCB9AF75D0}"/>
+              </a:ext>
+            </a:extLst>
+          </p:cNvPr>
+          <p:cNvSpPr/>
+          <p:nvPr/>
+        </p:nvSpPr>
+        <p:spPr>
+          <a:xfrm>
+            <a:off x="5724925" y="3992171"/>
+            <a:ext cx="252840" cy="235984"/>
+          </a:xfrm>
+          <a:prstGeom prst="roundRect">
+            <a:avLst/>
+          </a:prstGeom>
+        </p:spPr>
+        <p:style>
+          <a:lnRef idx="0">
+            <a:schemeClr val="accent1"/>
+          </a:lnRef>
+          <a:fillRef idx="3">
+            <a:schemeClr val="accent1"/>
+          </a:fillRef>
+          <a:effectRef idx="3">
+            <a:schemeClr val="accent1"/>
+          </a:effectRef>
+          <a:fontRef idx="minor">
+            <a:schemeClr val="lt1"/>
+          </a:fontRef>
+        </p:style>
+        <p:txBody>
+          <a:bodyPr rtlCol="0" anchor="ctr"/>
+          <a:lstStyle/>
+          <a:p>
+            <a:pPr algn="ctr"/>
+            <a:r>
+              <a:rPr lang="es-MX" sz="1400" dirty="0"/>
+              <a:t>R</a:t>
+            </a:r>
+          </a:p>
+        </p:txBody>
+      </p:sp>
+      <p:sp>
+        <p:nvSpPr>
+          <p:cNvPr id="12" name="Rectángulo: esquinas redondeadas 11">
+            <a:extLst>
+              <a:ext uri="{FF2B5EF4-FFF2-40B4-BE49-F238E27FC236}">
+                <a16:creationId xmlns:a16="http://schemas.microsoft.com/office/drawing/2014/main" id="{468094C1-50B7-4815-B4EB-F6E61C7F446D}"/>
+              </a:ext>
+            </a:extLst>
+          </p:cNvPr>
+          <p:cNvSpPr/>
+          <p:nvPr/>
+        </p:nvSpPr>
+        <p:spPr>
+          <a:xfrm>
+            <a:off x="5724925" y="4357183"/>
+            <a:ext cx="252840" cy="235984"/>
+          </a:xfrm>
+          <a:prstGeom prst="roundRect">
+            <a:avLst/>
+          </a:prstGeom>
+        </p:spPr>
+        <p:style>
+          <a:lnRef idx="0">
+            <a:schemeClr val="accent1"/>
+          </a:lnRef>
+          <a:fillRef idx="3">
+            <a:schemeClr val="accent1"/>
+          </a:fillRef>
+          <a:effectRef idx="3">
+            <a:schemeClr val="accent1"/>
+          </a:effectRef>
+          <a:fontRef idx="minor">
+            <a:schemeClr val="lt1"/>
+          </a:fontRef>
+        </p:style>
+        <p:txBody>
+          <a:bodyPr rtlCol="0" anchor="ctr"/>
+          <a:lstStyle/>
+          <a:p>
+            <a:pPr algn="ctr"/>
+            <a:r>
+              <a:rPr lang="es-MX" sz="1400" dirty="0"/>
+              <a:t>R</a:t>
+            </a:r>
+          </a:p>
+        </p:txBody>
+      </p:sp>
+      <p:sp>
+        <p:nvSpPr>
+          <p:cNvPr id="13" name="Rectángulo: esquinas redondeadas 12">
+            <a:extLst>
+              <a:ext uri="{FF2B5EF4-FFF2-40B4-BE49-F238E27FC236}">
+                <a16:creationId xmlns:a16="http://schemas.microsoft.com/office/drawing/2014/main" id="{BBD2611F-B310-4BC5-AD6C-C6EAA8141A23}"/>
+              </a:ext>
+            </a:extLst>
+          </p:cNvPr>
+          <p:cNvSpPr/>
+          <p:nvPr/>
+        </p:nvSpPr>
+        <p:spPr>
+          <a:xfrm>
+            <a:off x="5724925" y="4686512"/>
+            <a:ext cx="252840" cy="235984"/>
+          </a:xfrm>
+          <a:prstGeom prst="roundRect">
+            <a:avLst/>
+          </a:prstGeom>
+        </p:spPr>
+        <p:style>
+          <a:lnRef idx="0">
+            <a:schemeClr val="accent1"/>
+          </a:lnRef>
+          <a:fillRef idx="3">
+            <a:schemeClr val="accent1"/>
+          </a:fillRef>
+          <a:effectRef idx="3">
+            <a:schemeClr val="accent1"/>
+          </a:effectRef>
+          <a:fontRef idx="minor">
+            <a:schemeClr val="lt1"/>
+          </a:fontRef>
+        </p:style>
+        <p:txBody>
+          <a:bodyPr rtlCol="0" anchor="ctr"/>
+          <a:lstStyle/>
+          <a:p>
+            <a:pPr algn="ctr"/>
+            <a:r>
+              <a:rPr lang="es-MX" sz="1400" dirty="0"/>
+              <a:t>R</a:t>
+            </a:r>
+          </a:p>
+        </p:txBody>
+      </p:sp>
+      <p:sp>
+        <p:nvSpPr>
+          <p:cNvPr id="14" name="Rectángulo: esquinas redondeadas 13">
+            <a:extLst>
+              <a:ext uri="{FF2B5EF4-FFF2-40B4-BE49-F238E27FC236}">
+                <a16:creationId xmlns:a16="http://schemas.microsoft.com/office/drawing/2014/main" id="{5302B6D6-D517-4B5B-8F3F-1D2C03C83F8A}"/>
+              </a:ext>
+            </a:extLst>
+          </p:cNvPr>
+          <p:cNvSpPr/>
+          <p:nvPr/>
+        </p:nvSpPr>
+        <p:spPr>
+          <a:xfrm>
+            <a:off x="5724925" y="5065124"/>
+            <a:ext cx="252840" cy="235984"/>
+          </a:xfrm>
+          <a:prstGeom prst="roundRect">
+            <a:avLst/>
+          </a:prstGeom>
+        </p:spPr>
+        <p:style>
+          <a:lnRef idx="0">
+            <a:schemeClr val="accent1"/>
+          </a:lnRef>
+          <a:fillRef idx="3">
+            <a:schemeClr val="accent1"/>
+          </a:fillRef>
+          <a:effectRef idx="3">
+            <a:schemeClr val="accent1"/>
+          </a:effectRef>
+          <a:fontRef idx="minor">
+            <a:schemeClr val="lt1"/>
+          </a:fontRef>
+        </p:style>
+        <p:txBody>
+          <a:bodyPr rtlCol="0" anchor="ctr"/>
+          <a:lstStyle/>
+          <a:p>
+            <a:pPr algn="ctr"/>
+            <a:r>
+              <a:rPr lang="es-MX" sz="1400" dirty="0"/>
+              <a:t>R</a:t>
+            </a:r>
+          </a:p>
+        </p:txBody>
+      </p:sp>
     </p:spTree>
     <p:extLst>
       <p:ext uri="{BB962C8B-B14F-4D97-AF65-F5344CB8AC3E}">
@@ -8253,6 +9676,288 @@
                 <a:latin typeface="Berlin Sans FB" panose="020E0602020502020306" pitchFamily="34" charset="0"/>
               </a:rPr>
               <a:t>Historial médico del paciente</a:t>
+            </a:r>
+          </a:p>
+        </p:txBody>
+      </p:sp>
+      <p:sp>
+        <p:nvSpPr>
+          <p:cNvPr id="8" name="Rectángulo: esquinas redondeadas 7">
+            <a:extLst>
+              <a:ext uri="{FF2B5EF4-FFF2-40B4-BE49-F238E27FC236}">
+                <a16:creationId xmlns:a16="http://schemas.microsoft.com/office/drawing/2014/main" id="{7346E64F-EC83-4619-ADC7-F0FAF1989C78}"/>
+              </a:ext>
+            </a:extLst>
+          </p:cNvPr>
+          <p:cNvSpPr/>
+          <p:nvPr/>
+        </p:nvSpPr>
+        <p:spPr>
+          <a:xfrm>
+            <a:off x="5724925" y="3311008"/>
+            <a:ext cx="252840" cy="235984"/>
+          </a:xfrm>
+          <a:prstGeom prst="roundRect">
+            <a:avLst/>
+          </a:prstGeom>
+        </p:spPr>
+        <p:style>
+          <a:lnRef idx="0">
+            <a:schemeClr val="accent1"/>
+          </a:lnRef>
+          <a:fillRef idx="3">
+            <a:schemeClr val="accent1"/>
+          </a:fillRef>
+          <a:effectRef idx="3">
+            <a:schemeClr val="accent1"/>
+          </a:effectRef>
+          <a:fontRef idx="minor">
+            <a:schemeClr val="lt1"/>
+          </a:fontRef>
+        </p:style>
+        <p:txBody>
+          <a:bodyPr rtlCol="0" anchor="ctr"/>
+          <a:lstStyle/>
+          <a:p>
+            <a:pPr algn="ctr"/>
+            <a:r>
+              <a:rPr lang="es-MX" sz="1400" dirty="0"/>
+              <a:t>R</a:t>
+            </a:r>
+          </a:p>
+        </p:txBody>
+      </p:sp>
+      <p:sp>
+        <p:nvSpPr>
+          <p:cNvPr id="10" name="Rectángulo: esquinas redondeadas 9">
+            <a:extLst>
+              <a:ext uri="{FF2B5EF4-FFF2-40B4-BE49-F238E27FC236}">
+                <a16:creationId xmlns:a16="http://schemas.microsoft.com/office/drawing/2014/main" id="{863625C7-4084-451E-853E-A75F6E66C4F3}"/>
+              </a:ext>
+            </a:extLst>
+          </p:cNvPr>
+          <p:cNvSpPr/>
+          <p:nvPr/>
+        </p:nvSpPr>
+        <p:spPr>
+          <a:xfrm>
+            <a:off x="5724925" y="3641468"/>
+            <a:ext cx="252840" cy="235984"/>
+          </a:xfrm>
+          <a:prstGeom prst="roundRect">
+            <a:avLst/>
+          </a:prstGeom>
+        </p:spPr>
+        <p:style>
+          <a:lnRef idx="0">
+            <a:schemeClr val="accent1"/>
+          </a:lnRef>
+          <a:fillRef idx="3">
+            <a:schemeClr val="accent1"/>
+          </a:fillRef>
+          <a:effectRef idx="3">
+            <a:schemeClr val="accent1"/>
+          </a:effectRef>
+          <a:fontRef idx="minor">
+            <a:schemeClr val="lt1"/>
+          </a:fontRef>
+        </p:style>
+        <p:txBody>
+          <a:bodyPr rtlCol="0" anchor="ctr"/>
+          <a:lstStyle/>
+          <a:p>
+            <a:pPr algn="ctr"/>
+            <a:r>
+              <a:rPr lang="es-MX" sz="1400" dirty="0"/>
+              <a:t>R</a:t>
+            </a:r>
+          </a:p>
+        </p:txBody>
+      </p:sp>
+      <p:sp>
+        <p:nvSpPr>
+          <p:cNvPr id="11" name="Rectángulo: esquinas redondeadas 10">
+            <a:extLst>
+              <a:ext uri="{FF2B5EF4-FFF2-40B4-BE49-F238E27FC236}">
+                <a16:creationId xmlns:a16="http://schemas.microsoft.com/office/drawing/2014/main" id="{3E1A03F5-68D5-4FB9-B27A-933E8B50822D}"/>
+              </a:ext>
+            </a:extLst>
+          </p:cNvPr>
+          <p:cNvSpPr/>
+          <p:nvPr/>
+        </p:nvSpPr>
+        <p:spPr>
+          <a:xfrm>
+            <a:off x="5724925" y="3992171"/>
+            <a:ext cx="252840" cy="235984"/>
+          </a:xfrm>
+          <a:prstGeom prst="roundRect">
+            <a:avLst/>
+          </a:prstGeom>
+        </p:spPr>
+        <p:style>
+          <a:lnRef idx="0">
+            <a:schemeClr val="accent1"/>
+          </a:lnRef>
+          <a:fillRef idx="3">
+            <a:schemeClr val="accent1"/>
+          </a:fillRef>
+          <a:effectRef idx="3">
+            <a:schemeClr val="accent1"/>
+          </a:effectRef>
+          <a:fontRef idx="minor">
+            <a:schemeClr val="lt1"/>
+          </a:fontRef>
+        </p:style>
+        <p:txBody>
+          <a:bodyPr rtlCol="0" anchor="ctr"/>
+          <a:lstStyle/>
+          <a:p>
+            <a:pPr algn="ctr"/>
+            <a:r>
+              <a:rPr lang="es-MX" sz="1400" dirty="0"/>
+              <a:t>R</a:t>
+            </a:r>
+          </a:p>
+        </p:txBody>
+      </p:sp>
+      <p:sp>
+        <p:nvSpPr>
+          <p:cNvPr id="12" name="Rectángulo: esquinas redondeadas 11">
+            <a:extLst>
+              <a:ext uri="{FF2B5EF4-FFF2-40B4-BE49-F238E27FC236}">
+                <a16:creationId xmlns:a16="http://schemas.microsoft.com/office/drawing/2014/main" id="{2408AC85-1411-4715-8B8E-4842C7BB1D09}"/>
+              </a:ext>
+            </a:extLst>
+          </p:cNvPr>
+          <p:cNvSpPr/>
+          <p:nvPr/>
+        </p:nvSpPr>
+        <p:spPr>
+          <a:xfrm>
+            <a:off x="5724925" y="4357183"/>
+            <a:ext cx="252840" cy="235984"/>
+          </a:xfrm>
+          <a:prstGeom prst="roundRect">
+            <a:avLst/>
+          </a:prstGeom>
+        </p:spPr>
+        <p:style>
+          <a:lnRef idx="0">
+            <a:schemeClr val="accent1"/>
+          </a:lnRef>
+          <a:fillRef idx="3">
+            <a:schemeClr val="accent1"/>
+          </a:fillRef>
+          <a:effectRef idx="3">
+            <a:schemeClr val="accent1"/>
+          </a:effectRef>
+          <a:fontRef idx="minor">
+            <a:schemeClr val="lt1"/>
+          </a:fontRef>
+        </p:style>
+        <p:txBody>
+          <a:bodyPr rtlCol="0" anchor="ctr"/>
+          <a:lstStyle/>
+          <a:p>
+            <a:pPr algn="ctr"/>
+            <a:r>
+              <a:rPr lang="es-MX" sz="1400" dirty="0"/>
+              <a:t>R</a:t>
+            </a:r>
+          </a:p>
+        </p:txBody>
+      </p:sp>
+      <p:sp>
+        <p:nvSpPr>
+          <p:cNvPr id="13" name="Rectángulo: esquinas redondeadas 12">
+            <a:extLst>
+              <a:ext uri="{FF2B5EF4-FFF2-40B4-BE49-F238E27FC236}">
+                <a16:creationId xmlns:a16="http://schemas.microsoft.com/office/drawing/2014/main" id="{589F4C64-9F7C-4FAF-9F78-D16C5E232033}"/>
+              </a:ext>
+            </a:extLst>
+          </p:cNvPr>
+          <p:cNvSpPr/>
+          <p:nvPr/>
+        </p:nvSpPr>
+        <p:spPr>
+          <a:xfrm>
+            <a:off x="5724925" y="4686512"/>
+            <a:ext cx="252840" cy="235984"/>
+          </a:xfrm>
+          <a:prstGeom prst="roundRect">
+            <a:avLst/>
+          </a:prstGeom>
+        </p:spPr>
+        <p:style>
+          <a:lnRef idx="0">
+            <a:schemeClr val="accent1"/>
+          </a:lnRef>
+          <a:fillRef idx="3">
+            <a:schemeClr val="accent1"/>
+          </a:fillRef>
+          <a:effectRef idx="3">
+            <a:schemeClr val="accent1"/>
+          </a:effectRef>
+          <a:fontRef idx="minor">
+            <a:schemeClr val="lt1"/>
+          </a:fontRef>
+        </p:style>
+        <p:txBody>
+          <a:bodyPr rtlCol="0" anchor="ctr"/>
+          <a:lstStyle/>
+          <a:p>
+            <a:pPr algn="ctr"/>
+            <a:r>
+              <a:rPr lang="es-MX" sz="1400" dirty="0"/>
+              <a:t>R</a:t>
+            </a:r>
+          </a:p>
+        </p:txBody>
+      </p:sp>
+      <p:sp>
+        <p:nvSpPr>
+          <p:cNvPr id="14" name="Rectángulo: esquinas redondeadas 13">
+            <a:extLst>
+              <a:ext uri="{FF2B5EF4-FFF2-40B4-BE49-F238E27FC236}">
+                <a16:creationId xmlns:a16="http://schemas.microsoft.com/office/drawing/2014/main" id="{8B4B40B5-4E11-410E-923B-549D23D4D6EC}"/>
+              </a:ext>
+            </a:extLst>
+          </p:cNvPr>
+          <p:cNvSpPr/>
+          <p:nvPr/>
+        </p:nvSpPr>
+        <p:spPr>
+          <a:xfrm>
+            <a:off x="5724925" y="5065124"/>
+            <a:ext cx="252840" cy="235984"/>
+          </a:xfrm>
+          <a:prstGeom prst="roundRect">
+            <a:avLst/>
+          </a:prstGeom>
+        </p:spPr>
+        <p:style>
+          <a:lnRef idx="0">
+            <a:schemeClr val="accent1"/>
+          </a:lnRef>
+          <a:fillRef idx="3">
+            <a:schemeClr val="accent1"/>
+          </a:fillRef>
+          <a:effectRef idx="3">
+            <a:schemeClr val="accent1"/>
+          </a:effectRef>
+          <a:fontRef idx="minor">
+            <a:schemeClr val="lt1"/>
+          </a:fontRef>
+        </p:style>
+        <p:txBody>
+          <a:bodyPr rtlCol="0" anchor="ctr"/>
+          <a:lstStyle/>
+          <a:p>
+            <a:pPr algn="ctr"/>
+            <a:r>
+              <a:rPr lang="es-MX" sz="1400" dirty="0"/>
+              <a:t>R</a:t>
             </a:r>
           </a:p>
         </p:txBody>
